--- a/docs/phroni Design.pptx
+++ b/docs/phroni Design.pptx
@@ -7,6 +7,9 @@
   <p:sldIdLst>
     <p:sldId id="256" r:id="rId2"/>
     <p:sldId id="257" r:id="rId3"/>
+    <p:sldId id="258" r:id="rId4"/>
+    <p:sldId id="260" r:id="rId5"/>
+    <p:sldId id="259" r:id="rId6"/>
   </p:sldIdLst>
   <p:sldSz cx="12192000" cy="6858000"/>
   <p:notesSz cx="6858000" cy="9144000"/>
@@ -105,6 +108,11 @@
       </a:defRPr>
     </a:lvl9pPr>
   </p:defaultTextStyle>
+  <p:extLst>
+    <p:ext uri="{EFAFB233-063F-42B5-8137-9DF3F51BA10A}">
+      <p15:sldGuideLst xmlns:p15="http://schemas.microsoft.com/office/powerpoint/2012/main"/>
+    </p:ext>
+  </p:extLst>
 </p:presentation>
 </file>
 
@@ -257,7 +265,7 @@
           <a:p>
             <a:fld id="{B52D50EA-9E15-40F2-BEE1-A0009267BBC4}" type="datetimeFigureOut">
               <a:rPr lang="de-AT" smtClean="0"/>
-              <a:t>13.09.2023</a:t>
+              <a:t>19.09.2023</a:t>
             </a:fld>
             <a:endParaRPr lang="de-AT"/>
           </a:p>
@@ -457,7 +465,7 @@
           <a:p>
             <a:fld id="{B52D50EA-9E15-40F2-BEE1-A0009267BBC4}" type="datetimeFigureOut">
               <a:rPr lang="de-AT" smtClean="0"/>
-              <a:t>13.09.2023</a:t>
+              <a:t>19.09.2023</a:t>
             </a:fld>
             <a:endParaRPr lang="de-AT"/>
           </a:p>
@@ -667,7 +675,7 @@
           <a:p>
             <a:fld id="{B52D50EA-9E15-40F2-BEE1-A0009267BBC4}" type="datetimeFigureOut">
               <a:rPr lang="de-AT" smtClean="0"/>
-              <a:t>13.09.2023</a:t>
+              <a:t>19.09.2023</a:t>
             </a:fld>
             <a:endParaRPr lang="de-AT"/>
           </a:p>
@@ -867,7 +875,7 @@
           <a:p>
             <a:fld id="{B52D50EA-9E15-40F2-BEE1-A0009267BBC4}" type="datetimeFigureOut">
               <a:rPr lang="de-AT" smtClean="0"/>
-              <a:t>13.09.2023</a:t>
+              <a:t>19.09.2023</a:t>
             </a:fld>
             <a:endParaRPr lang="de-AT"/>
           </a:p>
@@ -1143,7 +1151,7 @@
           <a:p>
             <a:fld id="{B52D50EA-9E15-40F2-BEE1-A0009267BBC4}" type="datetimeFigureOut">
               <a:rPr lang="de-AT" smtClean="0"/>
-              <a:t>13.09.2023</a:t>
+              <a:t>19.09.2023</a:t>
             </a:fld>
             <a:endParaRPr lang="de-AT"/>
           </a:p>
@@ -1411,7 +1419,7 @@
           <a:p>
             <a:fld id="{B52D50EA-9E15-40F2-BEE1-A0009267BBC4}" type="datetimeFigureOut">
               <a:rPr lang="de-AT" smtClean="0"/>
-              <a:t>13.09.2023</a:t>
+              <a:t>19.09.2023</a:t>
             </a:fld>
             <a:endParaRPr lang="de-AT"/>
           </a:p>
@@ -1826,7 +1834,7 @@
           <a:p>
             <a:fld id="{B52D50EA-9E15-40F2-BEE1-A0009267BBC4}" type="datetimeFigureOut">
               <a:rPr lang="de-AT" smtClean="0"/>
-              <a:t>13.09.2023</a:t>
+              <a:t>19.09.2023</a:t>
             </a:fld>
             <a:endParaRPr lang="de-AT"/>
           </a:p>
@@ -1968,7 +1976,7 @@
           <a:p>
             <a:fld id="{B52D50EA-9E15-40F2-BEE1-A0009267BBC4}" type="datetimeFigureOut">
               <a:rPr lang="de-AT" smtClean="0"/>
-              <a:t>13.09.2023</a:t>
+              <a:t>19.09.2023</a:t>
             </a:fld>
             <a:endParaRPr lang="de-AT"/>
           </a:p>
@@ -2081,7 +2089,7 @@
           <a:p>
             <a:fld id="{B52D50EA-9E15-40F2-BEE1-A0009267BBC4}" type="datetimeFigureOut">
               <a:rPr lang="de-AT" smtClean="0"/>
-              <a:t>13.09.2023</a:t>
+              <a:t>19.09.2023</a:t>
             </a:fld>
             <a:endParaRPr lang="de-AT"/>
           </a:p>
@@ -2394,7 +2402,7 @@
           <a:p>
             <a:fld id="{B52D50EA-9E15-40F2-BEE1-A0009267BBC4}" type="datetimeFigureOut">
               <a:rPr lang="de-AT" smtClean="0"/>
-              <a:t>13.09.2023</a:t>
+              <a:t>19.09.2023</a:t>
             </a:fld>
             <a:endParaRPr lang="de-AT"/>
           </a:p>
@@ -2683,7 +2691,7 @@
           <a:p>
             <a:fld id="{B52D50EA-9E15-40F2-BEE1-A0009267BBC4}" type="datetimeFigureOut">
               <a:rPr lang="de-AT" smtClean="0"/>
-              <a:t>13.09.2023</a:t>
+              <a:t>19.09.2023</a:t>
             </a:fld>
             <a:endParaRPr lang="de-AT"/>
           </a:p>
@@ -2926,7 +2934,7 @@
           <a:p>
             <a:fld id="{B52D50EA-9E15-40F2-BEE1-A0009267BBC4}" type="datetimeFigureOut">
               <a:rPr lang="de-AT" smtClean="0"/>
-              <a:t>13.09.2023</a:t>
+              <a:t>19.09.2023</a:t>
             </a:fld>
             <a:endParaRPr lang="de-AT"/>
           </a:p>
@@ -3435,6 +3443,110 @@
       </p:grpSpPr>
       <p:sp>
         <p:nvSpPr>
+          <p:cNvPr id="67" name="Rechteck 66">
+            <a:extLst>
+              <a:ext uri="{FF2B5EF4-FFF2-40B4-BE49-F238E27FC236}">
+                <a16:creationId xmlns:a16="http://schemas.microsoft.com/office/drawing/2014/main" id="{10C36702-39A2-364A-D401-024B02E04337}"/>
+              </a:ext>
+            </a:extLst>
+          </p:cNvPr>
+          <p:cNvSpPr/>
+          <p:nvPr/>
+        </p:nvSpPr>
+        <p:spPr>
+          <a:xfrm>
+            <a:off x="86505" y="1958541"/>
+            <a:ext cx="3012979" cy="3305437"/>
+          </a:xfrm>
+          <a:prstGeom prst="rect">
+            <a:avLst/>
+          </a:prstGeom>
+          <a:solidFill>
+            <a:schemeClr val="accent5">
+              <a:alpha val="50000"/>
+            </a:schemeClr>
+          </a:solidFill>
+          <a:ln>
+            <a:noFill/>
+          </a:ln>
+        </p:spPr>
+        <p:style>
+          <a:lnRef idx="0">
+            <a:scrgbClr r="0" g="0" b="0"/>
+          </a:lnRef>
+          <a:fillRef idx="0">
+            <a:scrgbClr r="0" g="0" b="0"/>
+          </a:fillRef>
+          <a:effectRef idx="0">
+            <a:scrgbClr r="0" g="0" b="0"/>
+          </a:effectRef>
+          <a:fontRef idx="minor">
+            <a:schemeClr val="lt1"/>
+          </a:fontRef>
+        </p:style>
+        <p:txBody>
+          <a:bodyPr rtlCol="0" anchor="ctr"/>
+          <a:lstStyle/>
+          <a:p>
+            <a:pPr algn="ctr"/>
+            <a:endParaRPr lang="de-AT"/>
+          </a:p>
+        </p:txBody>
+      </p:sp>
+      <p:sp>
+        <p:nvSpPr>
+          <p:cNvPr id="3" name="Rechteck 2">
+            <a:extLst>
+              <a:ext uri="{FF2B5EF4-FFF2-40B4-BE49-F238E27FC236}">
+                <a16:creationId xmlns:a16="http://schemas.microsoft.com/office/drawing/2014/main" id="{03F4CF07-37AE-4913-4675-B3FFAC34FE13}"/>
+              </a:ext>
+            </a:extLst>
+          </p:cNvPr>
+          <p:cNvSpPr/>
+          <p:nvPr/>
+        </p:nvSpPr>
+        <p:spPr>
+          <a:xfrm>
+            <a:off x="4366054" y="626076"/>
+            <a:ext cx="7356389" cy="2902807"/>
+          </a:xfrm>
+          <a:prstGeom prst="rect">
+            <a:avLst/>
+          </a:prstGeom>
+          <a:solidFill>
+            <a:schemeClr val="accent5">
+              <a:alpha val="50000"/>
+            </a:schemeClr>
+          </a:solidFill>
+          <a:ln>
+            <a:noFill/>
+          </a:ln>
+        </p:spPr>
+        <p:style>
+          <a:lnRef idx="0">
+            <a:scrgbClr r="0" g="0" b="0"/>
+          </a:lnRef>
+          <a:fillRef idx="0">
+            <a:scrgbClr r="0" g="0" b="0"/>
+          </a:fillRef>
+          <a:effectRef idx="0">
+            <a:scrgbClr r="0" g="0" b="0"/>
+          </a:effectRef>
+          <a:fontRef idx="minor">
+            <a:schemeClr val="lt1"/>
+          </a:fontRef>
+        </p:style>
+        <p:txBody>
+          <a:bodyPr rtlCol="0" anchor="ctr"/>
+          <a:lstStyle/>
+          <a:p>
+            <a:pPr algn="ctr"/>
+            <a:endParaRPr lang="de-AT"/>
+          </a:p>
+        </p:txBody>
+      </p:sp>
+      <p:sp>
+        <p:nvSpPr>
           <p:cNvPr id="50" name="Rechteck 49">
             <a:extLst>
               <a:ext uri="{FF2B5EF4-FFF2-40B4-BE49-F238E27FC236}">
@@ -3569,8 +3681,8 @@
         </p:nvSpPr>
         <p:spPr>
           <a:xfrm>
-            <a:off x="864970" y="2108881"/>
-            <a:ext cx="2042984" cy="749644"/>
+            <a:off x="191531" y="2115062"/>
+            <a:ext cx="1233615" cy="749644"/>
           </a:xfrm>
           <a:prstGeom prst="rect">
             <a:avLst/>
@@ -3618,8 +3730,8 @@
         </p:nvSpPr>
         <p:spPr>
           <a:xfrm>
-            <a:off x="864970" y="3153029"/>
-            <a:ext cx="2042984" cy="749644"/>
+            <a:off x="191531" y="3233352"/>
+            <a:ext cx="1233615" cy="749644"/>
           </a:xfrm>
           <a:prstGeom prst="rect">
             <a:avLst/>
@@ -3667,8 +3779,8 @@
         </p:nvSpPr>
         <p:spPr>
           <a:xfrm>
-            <a:off x="864970" y="4386650"/>
-            <a:ext cx="2042984" cy="749644"/>
+            <a:off x="191531" y="4392831"/>
+            <a:ext cx="1233615" cy="749644"/>
           </a:xfrm>
           <a:prstGeom prst="rect">
             <a:avLst/>
@@ -3859,15 +3971,16 @@
             </a:extLst>
           </p:cNvPr>
           <p:cNvCxnSpPr>
+            <a:cxnSpLocks/>
             <a:stCxn id="5" idx="3"/>
-            <a:endCxn id="8" idx="1"/>
+            <a:endCxn id="44" idx="1"/>
           </p:cNvCxnSpPr>
           <p:nvPr/>
         </p:nvCxnSpPr>
         <p:spPr>
           <a:xfrm>
-            <a:off x="2907954" y="2483703"/>
-            <a:ext cx="1635210" cy="6181"/>
+            <a:off x="1425146" y="2489884"/>
+            <a:ext cx="386581" cy="5149"/>
           </a:xfrm>
           <a:prstGeom prst="straightConnector1">
             <a:avLst/>
@@ -3901,6 +4014,7 @@
             </a:extLst>
           </p:cNvPr>
           <p:cNvCxnSpPr>
+            <a:cxnSpLocks/>
             <a:stCxn id="6" idx="3"/>
             <a:endCxn id="8" idx="1"/>
           </p:cNvCxnSpPr>
@@ -3908,8 +4022,8 @@
         </p:nvCxnSpPr>
         <p:spPr>
           <a:xfrm flipV="1">
-            <a:off x="2907954" y="2489884"/>
-            <a:ext cx="1635210" cy="1037967"/>
+            <a:off x="1425146" y="2489884"/>
+            <a:ext cx="3118018" cy="1118290"/>
           </a:xfrm>
           <a:prstGeom prst="straightConnector1">
             <a:avLst/>
@@ -3943,6 +4057,7 @@
             </a:extLst>
           </p:cNvPr>
           <p:cNvCxnSpPr>
+            <a:cxnSpLocks/>
             <a:stCxn id="6" idx="3"/>
             <a:endCxn id="9" idx="1"/>
           </p:cNvCxnSpPr>
@@ -3950,8 +4065,8 @@
         </p:nvCxnSpPr>
         <p:spPr>
           <a:xfrm>
-            <a:off x="2907954" y="3527851"/>
-            <a:ext cx="1635210" cy="1297464"/>
+            <a:off x="1425146" y="3608174"/>
+            <a:ext cx="3118018" cy="1217141"/>
           </a:xfrm>
           <a:prstGeom prst="straightConnector1">
             <a:avLst/>
@@ -3985,6 +4100,7 @@
             </a:extLst>
           </p:cNvPr>
           <p:cNvCxnSpPr>
+            <a:cxnSpLocks/>
             <a:stCxn id="7" idx="3"/>
             <a:endCxn id="8" idx="1"/>
           </p:cNvCxnSpPr>
@@ -3992,8 +4108,8 @@
         </p:nvCxnSpPr>
         <p:spPr>
           <a:xfrm flipV="1">
-            <a:off x="2907954" y="2489884"/>
-            <a:ext cx="1635210" cy="2271588"/>
+            <a:off x="1425146" y="2489884"/>
+            <a:ext cx="3118018" cy="2277769"/>
           </a:xfrm>
           <a:prstGeom prst="straightConnector1">
             <a:avLst/>
@@ -4027,6 +4143,7 @@
             </a:extLst>
           </p:cNvPr>
           <p:cNvCxnSpPr>
+            <a:cxnSpLocks/>
             <a:stCxn id="7" idx="3"/>
             <a:endCxn id="9" idx="1"/>
           </p:cNvCxnSpPr>
@@ -4034,8 +4151,8 @@
         </p:nvCxnSpPr>
         <p:spPr>
           <a:xfrm>
-            <a:off x="2907954" y="4761472"/>
-            <a:ext cx="1635210" cy="63843"/>
+            <a:off x="1425146" y="4767653"/>
+            <a:ext cx="3118018" cy="57662"/>
           </a:xfrm>
           <a:prstGeom prst="straightConnector1">
             <a:avLst/>
@@ -4892,7 +5009,7 @@
         </p:nvSpPr>
         <p:spPr>
           <a:xfrm>
-            <a:off x="4840927" y="6236051"/>
+            <a:off x="4651453" y="6236051"/>
             <a:ext cx="1868268" cy="369332"/>
           </a:xfrm>
           <a:prstGeom prst="rect">
@@ -4932,8 +5049,8 @@
         </p:nvSpPr>
         <p:spPr>
           <a:xfrm rot="5400000">
-            <a:off x="3606111" y="5360777"/>
-            <a:ext cx="205944" cy="1635210"/>
+            <a:off x="3710114" y="5464780"/>
+            <a:ext cx="205944" cy="1427204"/>
           </a:xfrm>
           <a:prstGeom prst="rightBrace">
             <a:avLst/>
@@ -4976,7 +5093,7 @@
         </p:nvSpPr>
         <p:spPr>
           <a:xfrm>
-            <a:off x="2577239" y="6249096"/>
+            <a:off x="1679312" y="6249096"/>
             <a:ext cx="2340748" cy="646331"/>
           </a:xfrm>
           <a:prstGeom prst="rect">
@@ -5016,7 +5133,7 @@
         </p:nvSpPr>
         <p:spPr>
           <a:xfrm rot="5400000">
-            <a:off x="8787710" y="3902681"/>
+            <a:off x="8787710" y="3952110"/>
             <a:ext cx="205944" cy="4452541"/>
           </a:xfrm>
           <a:prstGeom prst="rightBrace">
@@ -5060,7 +5177,7 @@
         </p:nvSpPr>
         <p:spPr>
           <a:xfrm>
-            <a:off x="7992839" y="6244285"/>
+            <a:off x="8075219" y="6252523"/>
             <a:ext cx="1634102" cy="369332"/>
           </a:xfrm>
           <a:prstGeom prst="rect">
@@ -5081,10 +5198,522 @@
           </a:p>
         </p:txBody>
       </p:sp>
+      <p:cxnSp>
+        <p:nvCxnSpPr>
+          <p:cNvPr id="13" name="Verbinder: gewinkelt 12">
+            <a:extLst>
+              <a:ext uri="{FF2B5EF4-FFF2-40B4-BE49-F238E27FC236}">
+                <a16:creationId xmlns:a16="http://schemas.microsoft.com/office/drawing/2014/main" id="{D9945E2C-D027-EBF6-E85D-0B0225E58517}"/>
+              </a:ext>
+            </a:extLst>
+          </p:cNvPr>
+          <p:cNvCxnSpPr>
+            <a:cxnSpLocks/>
+            <a:stCxn id="3" idx="3"/>
+            <a:endCxn id="67" idx="0"/>
+          </p:cNvCxnSpPr>
+          <p:nvPr/>
+        </p:nvCxnSpPr>
+        <p:spPr>
+          <a:xfrm flipH="1" flipV="1">
+            <a:off x="1592995" y="1958541"/>
+            <a:ext cx="10129448" cy="118939"/>
+          </a:xfrm>
+          <a:prstGeom prst="bentConnector4">
+            <a:avLst>
+              <a:gd name="adj1" fmla="val -2257"/>
+              <a:gd name="adj2" fmla="val 1412492"/>
+            </a:avLst>
+          </a:prstGeom>
+          <a:ln>
+            <a:tailEnd type="triangle"/>
+          </a:ln>
+        </p:spPr>
+        <p:style>
+          <a:lnRef idx="1">
+            <a:schemeClr val="accent1"/>
+          </a:lnRef>
+          <a:fillRef idx="0">
+            <a:schemeClr val="accent1"/>
+          </a:fillRef>
+          <a:effectRef idx="0">
+            <a:schemeClr val="accent1"/>
+          </a:effectRef>
+          <a:fontRef idx="minor">
+            <a:schemeClr val="tx1"/>
+          </a:fontRef>
+        </p:style>
+      </p:cxnSp>
+      <p:sp>
+        <p:nvSpPr>
+          <p:cNvPr id="44" name="Rechteck 43">
+            <a:extLst>
+              <a:ext uri="{FF2B5EF4-FFF2-40B4-BE49-F238E27FC236}">
+                <a16:creationId xmlns:a16="http://schemas.microsoft.com/office/drawing/2014/main" id="{3AE60E87-D983-3E1B-98A3-194B1EB84BA8}"/>
+              </a:ext>
+            </a:extLst>
+          </p:cNvPr>
+          <p:cNvSpPr/>
+          <p:nvPr/>
+        </p:nvSpPr>
+        <p:spPr>
+          <a:xfrm>
+            <a:off x="1811727" y="2120211"/>
+            <a:ext cx="1186243" cy="749644"/>
+          </a:xfrm>
+          <a:prstGeom prst="rect">
+            <a:avLst/>
+          </a:prstGeom>
+        </p:spPr>
+        <p:style>
+          <a:lnRef idx="2">
+            <a:schemeClr val="accent1">
+              <a:shade val="15000"/>
+            </a:schemeClr>
+          </a:lnRef>
+          <a:fillRef idx="1">
+            <a:schemeClr val="accent1"/>
+          </a:fillRef>
+          <a:effectRef idx="0">
+            <a:schemeClr val="accent1"/>
+          </a:effectRef>
+          <a:fontRef idx="minor">
+            <a:schemeClr val="lt1"/>
+          </a:fontRef>
+        </p:style>
+        <p:txBody>
+          <a:bodyPr rtlCol="0" anchor="ctr"/>
+          <a:lstStyle/>
+          <a:p>
+            <a:pPr algn="ctr"/>
+            <a:r>
+              <a:rPr lang="en-US" dirty="0"/>
+              <a:t>Transform</a:t>
+            </a:r>
+          </a:p>
+        </p:txBody>
+      </p:sp>
+      <p:cxnSp>
+        <p:nvCxnSpPr>
+          <p:cNvPr id="46" name="Gerade Verbindung mit Pfeil 45">
+            <a:extLst>
+              <a:ext uri="{FF2B5EF4-FFF2-40B4-BE49-F238E27FC236}">
+                <a16:creationId xmlns:a16="http://schemas.microsoft.com/office/drawing/2014/main" id="{13847D7C-B374-E9D0-70F1-4137F0AFFA2D}"/>
+              </a:ext>
+            </a:extLst>
+          </p:cNvPr>
+          <p:cNvCxnSpPr>
+            <a:cxnSpLocks/>
+            <a:stCxn id="44" idx="2"/>
+            <a:endCxn id="9" idx="1"/>
+          </p:cNvCxnSpPr>
+          <p:nvPr/>
+        </p:nvCxnSpPr>
+        <p:spPr>
+          <a:xfrm>
+            <a:off x="2404849" y="2869855"/>
+            <a:ext cx="2138315" cy="1955460"/>
+          </a:xfrm>
+          <a:prstGeom prst="straightConnector1">
+            <a:avLst/>
+          </a:prstGeom>
+          <a:ln>
+            <a:tailEnd type="triangle"/>
+          </a:ln>
+        </p:spPr>
+        <p:style>
+          <a:lnRef idx="1">
+            <a:schemeClr val="accent1"/>
+          </a:lnRef>
+          <a:fillRef idx="0">
+            <a:schemeClr val="accent1"/>
+          </a:fillRef>
+          <a:effectRef idx="0">
+            <a:schemeClr val="accent1"/>
+          </a:effectRef>
+          <a:fontRef idx="minor">
+            <a:schemeClr val="tx1"/>
+          </a:fontRef>
+        </p:style>
+      </p:cxnSp>
+      <p:cxnSp>
+        <p:nvCxnSpPr>
+          <p:cNvPr id="52" name="Gerade Verbindung mit Pfeil 51">
+            <a:extLst>
+              <a:ext uri="{FF2B5EF4-FFF2-40B4-BE49-F238E27FC236}">
+                <a16:creationId xmlns:a16="http://schemas.microsoft.com/office/drawing/2014/main" id="{063CE3D1-E176-1F6C-935E-5ECB2180C1F6}"/>
+              </a:ext>
+            </a:extLst>
+          </p:cNvPr>
+          <p:cNvCxnSpPr>
+            <a:cxnSpLocks/>
+            <a:stCxn id="44" idx="3"/>
+            <a:endCxn id="8" idx="1"/>
+          </p:cNvCxnSpPr>
+          <p:nvPr/>
+        </p:nvCxnSpPr>
+        <p:spPr>
+          <a:xfrm flipV="1">
+            <a:off x="2997970" y="2489884"/>
+            <a:ext cx="1545194" cy="5149"/>
+          </a:xfrm>
+          <a:prstGeom prst="straightConnector1">
+            <a:avLst/>
+          </a:prstGeom>
+          <a:ln>
+            <a:tailEnd type="triangle"/>
+          </a:ln>
+        </p:spPr>
+        <p:style>
+          <a:lnRef idx="1">
+            <a:schemeClr val="accent1"/>
+          </a:lnRef>
+          <a:fillRef idx="0">
+            <a:schemeClr val="accent1"/>
+          </a:fillRef>
+          <a:effectRef idx="0">
+            <a:schemeClr val="accent1"/>
+          </a:effectRef>
+          <a:fontRef idx="minor">
+            <a:schemeClr val="tx1"/>
+          </a:fontRef>
+        </p:style>
+      </p:cxnSp>
     </p:spTree>
     <p:extLst>
       <p:ext uri="{BB962C8B-B14F-4D97-AF65-F5344CB8AC3E}">
         <p14:creationId xmlns:p14="http://schemas.microsoft.com/office/powerpoint/2010/main" val="252630823"/>
+      </p:ext>
+    </p:extLst>
+  </p:cSld>
+  <p:clrMapOvr>
+    <a:masterClrMapping/>
+  </p:clrMapOvr>
+</p:sld>
+</file>
+
+<file path=ppt/slides/slide3.xml><?xml version="1.0" encoding="utf-8"?>
+<p:sld xmlns:a="http://schemas.openxmlformats.org/drawingml/2006/main" xmlns:r="http://schemas.openxmlformats.org/officeDocument/2006/relationships" xmlns:p="http://schemas.openxmlformats.org/presentationml/2006/main">
+  <p:cSld>
+    <p:spTree>
+      <p:nvGrpSpPr>
+        <p:cNvPr id="1" name=""/>
+        <p:cNvGrpSpPr/>
+        <p:nvPr/>
+      </p:nvGrpSpPr>
+      <p:grpSpPr>
+        <a:xfrm>
+          <a:off x="0" y="0"/>
+          <a:ext cx="0" cy="0"/>
+          <a:chOff x="0" y="0"/>
+          <a:chExt cx="0" cy="0"/>
+        </a:xfrm>
+      </p:grpSpPr>
+      <p:sp>
+        <p:nvSpPr>
+          <p:cNvPr id="2" name="Titel 1">
+            <a:extLst>
+              <a:ext uri="{FF2B5EF4-FFF2-40B4-BE49-F238E27FC236}">
+                <a16:creationId xmlns:a16="http://schemas.microsoft.com/office/drawing/2014/main" id="{88CC37CB-1D07-E399-0629-1F5DABE24479}"/>
+              </a:ext>
+            </a:extLst>
+          </p:cNvPr>
+          <p:cNvSpPr>
+            <a:spLocks noGrp="1"/>
+          </p:cNvSpPr>
+          <p:nvPr>
+            <p:ph type="title"/>
+          </p:nvPr>
+        </p:nvSpPr>
+        <p:spPr/>
+        <p:txBody>
+          <a:bodyPr/>
+          <a:lstStyle/>
+          <a:p>
+            <a:r>
+              <a:rPr lang="de-AT" dirty="0"/>
+              <a:t>Source Format</a:t>
+            </a:r>
+          </a:p>
+        </p:txBody>
+      </p:sp>
+      <p:sp>
+        <p:nvSpPr>
+          <p:cNvPr id="3" name="Inhaltsplatzhalter 2">
+            <a:extLst>
+              <a:ext uri="{FF2B5EF4-FFF2-40B4-BE49-F238E27FC236}">
+                <a16:creationId xmlns:a16="http://schemas.microsoft.com/office/drawing/2014/main" id="{6C32251C-5178-B239-7886-62A5158BD203}"/>
+              </a:ext>
+            </a:extLst>
+          </p:cNvPr>
+          <p:cNvSpPr>
+            <a:spLocks noGrp="1"/>
+          </p:cNvSpPr>
+          <p:nvPr>
+            <p:ph idx="1"/>
+          </p:nvPr>
+        </p:nvSpPr>
+        <p:spPr/>
+        <p:txBody>
+          <a:bodyPr/>
+          <a:lstStyle/>
+          <a:p>
+            <a:r>
+              <a:rPr lang="de-AT" dirty="0"/>
+              <a:t>XML </a:t>
+            </a:r>
+            <a:r>
+              <a:rPr lang="de-AT" dirty="0" err="1"/>
+              <a:t>based</a:t>
+            </a:r>
+            <a:endParaRPr lang="de-AT" dirty="0"/>
+          </a:p>
+          <a:p>
+            <a:pPr lvl="1"/>
+            <a:r>
+              <a:rPr lang="de-AT" dirty="0"/>
+              <a:t>UBL, CII, ebInterface, ….</a:t>
+            </a:r>
+          </a:p>
+        </p:txBody>
+      </p:sp>
+    </p:spTree>
+    <p:extLst>
+      <p:ext uri="{BB962C8B-B14F-4D97-AF65-F5344CB8AC3E}">
+        <p14:creationId xmlns:p14="http://schemas.microsoft.com/office/powerpoint/2010/main" val="1258152585"/>
+      </p:ext>
+    </p:extLst>
+  </p:cSld>
+  <p:clrMapOvr>
+    <a:masterClrMapping/>
+  </p:clrMapOvr>
+</p:sld>
+</file>
+
+<file path=ppt/slides/slide4.xml><?xml version="1.0" encoding="utf-8"?>
+<p:sld xmlns:a="http://schemas.openxmlformats.org/drawingml/2006/main" xmlns:r="http://schemas.openxmlformats.org/officeDocument/2006/relationships" xmlns:p="http://schemas.openxmlformats.org/presentationml/2006/main">
+  <p:cSld>
+    <p:spTree>
+      <p:nvGrpSpPr>
+        <p:cNvPr id="1" name=""/>
+        <p:cNvGrpSpPr/>
+        <p:nvPr/>
+      </p:nvGrpSpPr>
+      <p:grpSpPr>
+        <a:xfrm>
+          <a:off x="0" y="0"/>
+          <a:ext cx="0" cy="0"/>
+          <a:chOff x="0" y="0"/>
+          <a:chExt cx="0" cy="0"/>
+        </a:xfrm>
+      </p:grpSpPr>
+      <p:sp>
+        <p:nvSpPr>
+          <p:cNvPr id="2" name="Titel 1">
+            <a:extLst>
+              <a:ext uri="{FF2B5EF4-FFF2-40B4-BE49-F238E27FC236}">
+                <a16:creationId xmlns:a16="http://schemas.microsoft.com/office/drawing/2014/main" id="{31350F14-B0FB-9AAB-64B7-73B6FDA57322}"/>
+              </a:ext>
+            </a:extLst>
+          </p:cNvPr>
+          <p:cNvSpPr>
+            <a:spLocks noGrp="1"/>
+          </p:cNvSpPr>
+          <p:nvPr>
+            <p:ph type="title"/>
+          </p:nvPr>
+        </p:nvSpPr>
+        <p:spPr/>
+        <p:txBody>
+          <a:bodyPr/>
+          <a:lstStyle/>
+          <a:p>
+            <a:r>
+              <a:rPr lang="en-US" dirty="0" err="1"/>
+              <a:t>Parametrised</a:t>
+            </a:r>
+            <a:r>
+              <a:rPr lang="en-US" dirty="0"/>
+              <a:t> Rule based transformation</a:t>
+            </a:r>
+            <a:endParaRPr lang="de-AT" dirty="0"/>
+          </a:p>
+        </p:txBody>
+      </p:sp>
+      <p:sp>
+        <p:nvSpPr>
+          <p:cNvPr id="3" name="Inhaltsplatzhalter 2">
+            <a:extLst>
+              <a:ext uri="{FF2B5EF4-FFF2-40B4-BE49-F238E27FC236}">
+                <a16:creationId xmlns:a16="http://schemas.microsoft.com/office/drawing/2014/main" id="{338A4567-C9ED-72EF-7B73-56F531C96656}"/>
+              </a:ext>
+            </a:extLst>
+          </p:cNvPr>
+          <p:cNvSpPr>
+            <a:spLocks noGrp="1"/>
+          </p:cNvSpPr>
+          <p:nvPr>
+            <p:ph idx="1"/>
+          </p:nvPr>
+        </p:nvSpPr>
+        <p:spPr/>
+        <p:txBody>
+          <a:bodyPr/>
+          <a:lstStyle/>
+          <a:p>
+            <a:r>
+              <a:rPr lang="de-AT" dirty="0"/>
+              <a:t>Technology </a:t>
+            </a:r>
+            <a:r>
+              <a:rPr lang="de-AT" dirty="0" err="1"/>
+              <a:t>chosen</a:t>
+            </a:r>
+            <a:endParaRPr lang="de-AT" dirty="0"/>
+          </a:p>
+          <a:p>
+            <a:pPr lvl="1"/>
+            <a:r>
+              <a:rPr lang="de-AT" dirty="0"/>
+              <a:t>XSLT</a:t>
+            </a:r>
+          </a:p>
+          <a:p>
+            <a:pPr lvl="1"/>
+            <a:r>
+              <a:rPr lang="de-AT" dirty="0" err="1"/>
+              <a:t>Executable</a:t>
+            </a:r>
+            <a:r>
+              <a:rPr lang="de-AT" dirty="0"/>
+              <a:t> code</a:t>
+            </a:r>
+          </a:p>
+          <a:p>
+            <a:r>
+              <a:rPr lang="de-AT" dirty="0"/>
+              <a:t>Parameters</a:t>
+            </a:r>
+          </a:p>
+          <a:p>
+            <a:pPr lvl="1"/>
+            <a:r>
+              <a:rPr lang="de-AT" dirty="0"/>
+              <a:t>Language</a:t>
+            </a:r>
+          </a:p>
+        </p:txBody>
+      </p:sp>
+    </p:spTree>
+    <p:extLst>
+      <p:ext uri="{BB962C8B-B14F-4D97-AF65-F5344CB8AC3E}">
+        <p14:creationId xmlns:p14="http://schemas.microsoft.com/office/powerpoint/2010/main" val="237006149"/>
+      </p:ext>
+    </p:extLst>
+  </p:cSld>
+  <p:clrMapOvr>
+    <a:masterClrMapping/>
+  </p:clrMapOvr>
+</p:sld>
+</file>
+
+<file path=ppt/slides/slide5.xml><?xml version="1.0" encoding="utf-8"?>
+<p:sld xmlns:a="http://schemas.openxmlformats.org/drawingml/2006/main" xmlns:r="http://schemas.openxmlformats.org/officeDocument/2006/relationships" xmlns:p="http://schemas.openxmlformats.org/presentationml/2006/main">
+  <p:cSld>
+    <p:spTree>
+      <p:nvGrpSpPr>
+        <p:cNvPr id="1" name=""/>
+        <p:cNvGrpSpPr/>
+        <p:nvPr/>
+      </p:nvGrpSpPr>
+      <p:grpSpPr>
+        <a:xfrm>
+          <a:off x="0" y="0"/>
+          <a:ext cx="0" cy="0"/>
+          <a:chOff x="0" y="0"/>
+          <a:chExt cx="0" cy="0"/>
+        </a:xfrm>
+      </p:grpSpPr>
+      <p:sp>
+        <p:nvSpPr>
+          <p:cNvPr id="2" name="Titel 1">
+            <a:extLst>
+              <a:ext uri="{FF2B5EF4-FFF2-40B4-BE49-F238E27FC236}">
+                <a16:creationId xmlns:a16="http://schemas.microsoft.com/office/drawing/2014/main" id="{A8123475-786B-F808-8950-80A45C6A2646}"/>
+              </a:ext>
+            </a:extLst>
+          </p:cNvPr>
+          <p:cNvSpPr>
+            <a:spLocks noGrp="1"/>
+          </p:cNvSpPr>
+          <p:nvPr>
+            <p:ph type="title"/>
+          </p:nvPr>
+        </p:nvSpPr>
+        <p:spPr/>
+        <p:txBody>
+          <a:bodyPr/>
+          <a:lstStyle/>
+          <a:p>
+            <a:r>
+              <a:rPr lang="de-AT" dirty="0"/>
+              <a:t>Target Formats</a:t>
+            </a:r>
+          </a:p>
+        </p:txBody>
+      </p:sp>
+      <p:sp>
+        <p:nvSpPr>
+          <p:cNvPr id="3" name="Inhaltsplatzhalter 2">
+            <a:extLst>
+              <a:ext uri="{FF2B5EF4-FFF2-40B4-BE49-F238E27FC236}">
+                <a16:creationId xmlns:a16="http://schemas.microsoft.com/office/drawing/2014/main" id="{DBC9209A-8FE0-D925-1BFA-CEFAECDF1C3C}"/>
+              </a:ext>
+            </a:extLst>
+          </p:cNvPr>
+          <p:cNvSpPr>
+            <a:spLocks noGrp="1"/>
+          </p:cNvSpPr>
+          <p:nvPr>
+            <p:ph idx="1"/>
+          </p:nvPr>
+        </p:nvSpPr>
+        <p:spPr/>
+        <p:txBody>
+          <a:bodyPr/>
+          <a:lstStyle/>
+          <a:p>
+            <a:r>
+              <a:rPr lang="de-AT" dirty="0"/>
+              <a:t>PDF</a:t>
+            </a:r>
+          </a:p>
+          <a:p>
+            <a:r>
+              <a:rPr lang="de-AT" dirty="0"/>
+              <a:t>HTML</a:t>
+            </a:r>
+          </a:p>
+          <a:p>
+            <a:r>
+              <a:rPr lang="de-AT" dirty="0" err="1"/>
+              <a:t>AsciiDoc</a:t>
+            </a:r>
+            <a:endParaRPr lang="de-AT" dirty="0"/>
+          </a:p>
+          <a:p>
+            <a:r>
+              <a:rPr lang="de-AT" dirty="0" err="1"/>
+              <a:t>Docbook</a:t>
+            </a:r>
+            <a:endParaRPr lang="de-AT" dirty="0"/>
+          </a:p>
+        </p:txBody>
+      </p:sp>
+    </p:spTree>
+    <p:extLst>
+      <p:ext uri="{BB962C8B-B14F-4D97-AF65-F5344CB8AC3E}">
+        <p14:creationId xmlns:p14="http://schemas.microsoft.com/office/powerpoint/2010/main" val="2902102413"/>
       </p:ext>
     </p:extLst>
   </p:cSld>

--- a/docs/phroni Design.pptx
+++ b/docs/phroni Design.pptx
@@ -10,6 +10,9 @@
     <p:sldId id="258" r:id="rId4"/>
     <p:sldId id="260" r:id="rId5"/>
     <p:sldId id="259" r:id="rId6"/>
+    <p:sldId id="261" r:id="rId7"/>
+    <p:sldId id="262" r:id="rId8"/>
+    <p:sldId id="263" r:id="rId9"/>
   </p:sldIdLst>
   <p:sldSz cx="12192000" cy="6858000"/>
   <p:notesSz cx="6858000" cy="9144000"/>
@@ -265,7 +268,7 @@
           <a:p>
             <a:fld id="{B52D50EA-9E15-40F2-BEE1-A0009267BBC4}" type="datetimeFigureOut">
               <a:rPr lang="de-AT" smtClean="0"/>
-              <a:t>19.09.2023</a:t>
+              <a:t>05.11.2024</a:t>
             </a:fld>
             <a:endParaRPr lang="de-AT"/>
           </a:p>
@@ -465,7 +468,7 @@
           <a:p>
             <a:fld id="{B52D50EA-9E15-40F2-BEE1-A0009267BBC4}" type="datetimeFigureOut">
               <a:rPr lang="de-AT" smtClean="0"/>
-              <a:t>19.09.2023</a:t>
+              <a:t>05.11.2024</a:t>
             </a:fld>
             <a:endParaRPr lang="de-AT"/>
           </a:p>
@@ -675,7 +678,7 @@
           <a:p>
             <a:fld id="{B52D50EA-9E15-40F2-BEE1-A0009267BBC4}" type="datetimeFigureOut">
               <a:rPr lang="de-AT" smtClean="0"/>
-              <a:t>19.09.2023</a:t>
+              <a:t>05.11.2024</a:t>
             </a:fld>
             <a:endParaRPr lang="de-AT"/>
           </a:p>
@@ -875,7 +878,7 @@
           <a:p>
             <a:fld id="{B52D50EA-9E15-40F2-BEE1-A0009267BBC4}" type="datetimeFigureOut">
               <a:rPr lang="de-AT" smtClean="0"/>
-              <a:t>19.09.2023</a:t>
+              <a:t>05.11.2024</a:t>
             </a:fld>
             <a:endParaRPr lang="de-AT"/>
           </a:p>
@@ -1151,7 +1154,7 @@
           <a:p>
             <a:fld id="{B52D50EA-9E15-40F2-BEE1-A0009267BBC4}" type="datetimeFigureOut">
               <a:rPr lang="de-AT" smtClean="0"/>
-              <a:t>19.09.2023</a:t>
+              <a:t>05.11.2024</a:t>
             </a:fld>
             <a:endParaRPr lang="de-AT"/>
           </a:p>
@@ -1419,7 +1422,7 @@
           <a:p>
             <a:fld id="{B52D50EA-9E15-40F2-BEE1-A0009267BBC4}" type="datetimeFigureOut">
               <a:rPr lang="de-AT" smtClean="0"/>
-              <a:t>19.09.2023</a:t>
+              <a:t>05.11.2024</a:t>
             </a:fld>
             <a:endParaRPr lang="de-AT"/>
           </a:p>
@@ -1834,7 +1837,7 @@
           <a:p>
             <a:fld id="{B52D50EA-9E15-40F2-BEE1-A0009267BBC4}" type="datetimeFigureOut">
               <a:rPr lang="de-AT" smtClean="0"/>
-              <a:t>19.09.2023</a:t>
+              <a:t>05.11.2024</a:t>
             </a:fld>
             <a:endParaRPr lang="de-AT"/>
           </a:p>
@@ -1976,7 +1979,7 @@
           <a:p>
             <a:fld id="{B52D50EA-9E15-40F2-BEE1-A0009267BBC4}" type="datetimeFigureOut">
               <a:rPr lang="de-AT" smtClean="0"/>
-              <a:t>19.09.2023</a:t>
+              <a:t>05.11.2024</a:t>
             </a:fld>
             <a:endParaRPr lang="de-AT"/>
           </a:p>
@@ -2089,7 +2092,7 @@
           <a:p>
             <a:fld id="{B52D50EA-9E15-40F2-BEE1-A0009267BBC4}" type="datetimeFigureOut">
               <a:rPr lang="de-AT" smtClean="0"/>
-              <a:t>19.09.2023</a:t>
+              <a:t>05.11.2024</a:t>
             </a:fld>
             <a:endParaRPr lang="de-AT"/>
           </a:p>
@@ -2402,7 +2405,7 @@
           <a:p>
             <a:fld id="{B52D50EA-9E15-40F2-BEE1-A0009267BBC4}" type="datetimeFigureOut">
               <a:rPr lang="de-AT" smtClean="0"/>
-              <a:t>19.09.2023</a:t>
+              <a:t>05.11.2024</a:t>
             </a:fld>
             <a:endParaRPr lang="de-AT"/>
           </a:p>
@@ -2691,7 +2694,7 @@
           <a:p>
             <a:fld id="{B52D50EA-9E15-40F2-BEE1-A0009267BBC4}" type="datetimeFigureOut">
               <a:rPr lang="de-AT" smtClean="0"/>
-              <a:t>19.09.2023</a:t>
+              <a:t>05.11.2024</a:t>
             </a:fld>
             <a:endParaRPr lang="de-AT"/>
           </a:p>
@@ -2934,7 +2937,7 @@
           <a:p>
             <a:fld id="{B52D50EA-9E15-40F2-BEE1-A0009267BBC4}" type="datetimeFigureOut">
               <a:rPr lang="de-AT" smtClean="0"/>
-              <a:t>19.09.2023</a:t>
+              <a:t>05.11.2024</a:t>
             </a:fld>
             <a:endParaRPr lang="de-AT"/>
           </a:p>
@@ -5723,6 +5726,2026 @@
 </p:sld>
 </file>
 
+<file path=ppt/slides/slide6.xml><?xml version="1.0" encoding="utf-8"?>
+<p:sld xmlns:a="http://schemas.openxmlformats.org/drawingml/2006/main" xmlns:r="http://schemas.openxmlformats.org/officeDocument/2006/relationships" xmlns:p="http://schemas.openxmlformats.org/presentationml/2006/main">
+  <p:cSld>
+    <p:spTree>
+      <p:nvGrpSpPr>
+        <p:cNvPr id="1" name=""/>
+        <p:cNvGrpSpPr/>
+        <p:nvPr/>
+      </p:nvGrpSpPr>
+      <p:grpSpPr>
+        <a:xfrm>
+          <a:off x="0" y="0"/>
+          <a:ext cx="0" cy="0"/>
+          <a:chOff x="0" y="0"/>
+          <a:chExt cx="0" cy="0"/>
+        </a:xfrm>
+      </p:grpSpPr>
+      <p:sp>
+        <p:nvSpPr>
+          <p:cNvPr id="4" name="Titel 3">
+            <a:extLst>
+              <a:ext uri="{FF2B5EF4-FFF2-40B4-BE49-F238E27FC236}">
+                <a16:creationId xmlns:a16="http://schemas.microsoft.com/office/drawing/2014/main" id="{30A79B1A-5637-AAE2-C2B2-68D6151A8C01}"/>
+              </a:ext>
+            </a:extLst>
+          </p:cNvPr>
+          <p:cNvSpPr>
+            <a:spLocks noGrp="1"/>
+          </p:cNvSpPr>
+          <p:nvPr>
+            <p:ph type="title"/>
+          </p:nvPr>
+        </p:nvSpPr>
+        <p:spPr/>
+        <p:txBody>
+          <a:bodyPr/>
+          <a:lstStyle/>
+          <a:p>
+            <a:r>
+              <a:rPr lang="en-GB" dirty="0"/>
+              <a:t>KoSIT way</a:t>
+            </a:r>
+          </a:p>
+        </p:txBody>
+      </p:sp>
+      <p:sp>
+        <p:nvSpPr>
+          <p:cNvPr id="5" name="Rechteck 4">
+            <a:extLst>
+              <a:ext uri="{FF2B5EF4-FFF2-40B4-BE49-F238E27FC236}">
+                <a16:creationId xmlns:a16="http://schemas.microsoft.com/office/drawing/2014/main" id="{C8B9A9DE-38C6-5C3F-B81F-E3222A118DDA}"/>
+              </a:ext>
+            </a:extLst>
+          </p:cNvPr>
+          <p:cNvSpPr/>
+          <p:nvPr/>
+        </p:nvSpPr>
+        <p:spPr>
+          <a:xfrm>
+            <a:off x="1095632" y="1715532"/>
+            <a:ext cx="1342768" cy="650791"/>
+          </a:xfrm>
+          <a:prstGeom prst="rect">
+            <a:avLst/>
+          </a:prstGeom>
+        </p:spPr>
+        <p:style>
+          <a:lnRef idx="2">
+            <a:schemeClr val="accent1">
+              <a:shade val="15000"/>
+            </a:schemeClr>
+          </a:lnRef>
+          <a:fillRef idx="1">
+            <a:schemeClr val="accent1"/>
+          </a:fillRef>
+          <a:effectRef idx="0">
+            <a:schemeClr val="accent1"/>
+          </a:effectRef>
+          <a:fontRef idx="minor">
+            <a:schemeClr val="lt1"/>
+          </a:fontRef>
+        </p:style>
+        <p:txBody>
+          <a:bodyPr rtlCol="0" anchor="ctr"/>
+          <a:lstStyle/>
+          <a:p>
+            <a:pPr algn="ctr"/>
+            <a:r>
+              <a:rPr lang="en-GB" dirty="0"/>
+              <a:t>Source Format A</a:t>
+            </a:r>
+          </a:p>
+        </p:txBody>
+      </p:sp>
+      <p:sp>
+        <p:nvSpPr>
+          <p:cNvPr id="6" name="Rechteck 5">
+            <a:extLst>
+              <a:ext uri="{FF2B5EF4-FFF2-40B4-BE49-F238E27FC236}">
+                <a16:creationId xmlns:a16="http://schemas.microsoft.com/office/drawing/2014/main" id="{882850C7-3D5F-55AA-CB40-6730BF80C8D8}"/>
+              </a:ext>
+            </a:extLst>
+          </p:cNvPr>
+          <p:cNvSpPr/>
+          <p:nvPr/>
+        </p:nvSpPr>
+        <p:spPr>
+          <a:xfrm>
+            <a:off x="1095632" y="2708191"/>
+            <a:ext cx="1342768" cy="650791"/>
+          </a:xfrm>
+          <a:prstGeom prst="rect">
+            <a:avLst/>
+          </a:prstGeom>
+        </p:spPr>
+        <p:style>
+          <a:lnRef idx="2">
+            <a:schemeClr val="accent1">
+              <a:shade val="15000"/>
+            </a:schemeClr>
+          </a:lnRef>
+          <a:fillRef idx="1">
+            <a:schemeClr val="accent1"/>
+          </a:fillRef>
+          <a:effectRef idx="0">
+            <a:schemeClr val="accent1"/>
+          </a:effectRef>
+          <a:fontRef idx="minor">
+            <a:schemeClr val="lt1"/>
+          </a:fontRef>
+        </p:style>
+        <p:txBody>
+          <a:bodyPr rtlCol="0" anchor="ctr"/>
+          <a:lstStyle/>
+          <a:p>
+            <a:pPr algn="ctr"/>
+            <a:r>
+              <a:rPr lang="en-GB" dirty="0"/>
+              <a:t>Source Format B</a:t>
+            </a:r>
+          </a:p>
+        </p:txBody>
+      </p:sp>
+      <p:sp>
+        <p:nvSpPr>
+          <p:cNvPr id="8" name="Rechteck 7">
+            <a:extLst>
+              <a:ext uri="{FF2B5EF4-FFF2-40B4-BE49-F238E27FC236}">
+                <a16:creationId xmlns:a16="http://schemas.microsoft.com/office/drawing/2014/main" id="{DB230620-64FE-6D89-696A-9B07A3DEA920}"/>
+              </a:ext>
+            </a:extLst>
+          </p:cNvPr>
+          <p:cNvSpPr/>
+          <p:nvPr/>
+        </p:nvSpPr>
+        <p:spPr>
+          <a:xfrm>
+            <a:off x="3381632" y="2094342"/>
+            <a:ext cx="1594022" cy="840259"/>
+          </a:xfrm>
+          <a:prstGeom prst="rect">
+            <a:avLst/>
+          </a:prstGeom>
+        </p:spPr>
+        <p:style>
+          <a:lnRef idx="2">
+            <a:schemeClr val="accent1">
+              <a:shade val="15000"/>
+            </a:schemeClr>
+          </a:lnRef>
+          <a:fillRef idx="1">
+            <a:schemeClr val="accent1"/>
+          </a:fillRef>
+          <a:effectRef idx="0">
+            <a:schemeClr val="accent1"/>
+          </a:effectRef>
+          <a:fontRef idx="minor">
+            <a:schemeClr val="lt1"/>
+          </a:fontRef>
+        </p:style>
+        <p:txBody>
+          <a:bodyPr rtlCol="0" anchor="ctr"/>
+          <a:lstStyle/>
+          <a:p>
+            <a:pPr algn="ctr"/>
+            <a:r>
+              <a:rPr lang="en-GB" dirty="0"/>
+              <a:t>Invoice in-between Format</a:t>
+            </a:r>
+          </a:p>
+        </p:txBody>
+      </p:sp>
+      <p:cxnSp>
+        <p:nvCxnSpPr>
+          <p:cNvPr id="10" name="Gerade Verbindung mit Pfeil 9">
+            <a:extLst>
+              <a:ext uri="{FF2B5EF4-FFF2-40B4-BE49-F238E27FC236}">
+                <a16:creationId xmlns:a16="http://schemas.microsoft.com/office/drawing/2014/main" id="{999B34A5-75C9-BB6C-ECC1-EE9669438E72}"/>
+              </a:ext>
+            </a:extLst>
+          </p:cNvPr>
+          <p:cNvCxnSpPr>
+            <a:cxnSpLocks/>
+            <a:stCxn id="5" idx="3"/>
+            <a:endCxn id="8" idx="1"/>
+          </p:cNvCxnSpPr>
+          <p:nvPr/>
+        </p:nvCxnSpPr>
+        <p:spPr>
+          <a:xfrm>
+            <a:off x="2438400" y="2040928"/>
+            <a:ext cx="943232" cy="473544"/>
+          </a:xfrm>
+          <a:prstGeom prst="straightConnector1">
+            <a:avLst/>
+          </a:prstGeom>
+          <a:ln>
+            <a:tailEnd type="triangle"/>
+          </a:ln>
+        </p:spPr>
+        <p:style>
+          <a:lnRef idx="1">
+            <a:schemeClr val="accent1"/>
+          </a:lnRef>
+          <a:fillRef idx="0">
+            <a:schemeClr val="accent1"/>
+          </a:fillRef>
+          <a:effectRef idx="0">
+            <a:schemeClr val="accent1"/>
+          </a:effectRef>
+          <a:fontRef idx="minor">
+            <a:schemeClr val="tx1"/>
+          </a:fontRef>
+        </p:style>
+      </p:cxnSp>
+      <p:cxnSp>
+        <p:nvCxnSpPr>
+          <p:cNvPr id="12" name="Gerade Verbindung mit Pfeil 11">
+            <a:extLst>
+              <a:ext uri="{FF2B5EF4-FFF2-40B4-BE49-F238E27FC236}">
+                <a16:creationId xmlns:a16="http://schemas.microsoft.com/office/drawing/2014/main" id="{9E8EF952-D2A4-EBE6-66D3-5D70A966CC92}"/>
+              </a:ext>
+            </a:extLst>
+          </p:cNvPr>
+          <p:cNvCxnSpPr>
+            <a:cxnSpLocks/>
+            <a:stCxn id="6" idx="3"/>
+            <a:endCxn id="8" idx="1"/>
+          </p:cNvCxnSpPr>
+          <p:nvPr/>
+        </p:nvCxnSpPr>
+        <p:spPr>
+          <a:xfrm flipV="1">
+            <a:off x="2438400" y="2514472"/>
+            <a:ext cx="943232" cy="519115"/>
+          </a:xfrm>
+          <a:prstGeom prst="straightConnector1">
+            <a:avLst/>
+          </a:prstGeom>
+          <a:ln>
+            <a:tailEnd type="triangle"/>
+          </a:ln>
+        </p:spPr>
+        <p:style>
+          <a:lnRef idx="1">
+            <a:schemeClr val="accent1"/>
+          </a:lnRef>
+          <a:fillRef idx="0">
+            <a:schemeClr val="accent1"/>
+          </a:fillRef>
+          <a:effectRef idx="0">
+            <a:schemeClr val="accent1"/>
+          </a:effectRef>
+          <a:fontRef idx="minor">
+            <a:schemeClr val="tx1"/>
+          </a:fontRef>
+        </p:style>
+      </p:cxnSp>
+      <p:sp>
+        <p:nvSpPr>
+          <p:cNvPr id="22" name="Rechteck 21">
+            <a:extLst>
+              <a:ext uri="{FF2B5EF4-FFF2-40B4-BE49-F238E27FC236}">
+                <a16:creationId xmlns:a16="http://schemas.microsoft.com/office/drawing/2014/main" id="{2678AE82-56D0-35C3-B084-59D73E8C3230}"/>
+              </a:ext>
+            </a:extLst>
+          </p:cNvPr>
+          <p:cNvSpPr/>
+          <p:nvPr/>
+        </p:nvSpPr>
+        <p:spPr>
+          <a:xfrm>
+            <a:off x="6087762" y="1460157"/>
+            <a:ext cx="1342768" cy="650791"/>
+          </a:xfrm>
+          <a:prstGeom prst="rect">
+            <a:avLst/>
+          </a:prstGeom>
+        </p:spPr>
+        <p:style>
+          <a:lnRef idx="2">
+            <a:schemeClr val="accent1">
+              <a:shade val="15000"/>
+            </a:schemeClr>
+          </a:lnRef>
+          <a:fillRef idx="1">
+            <a:schemeClr val="accent1"/>
+          </a:fillRef>
+          <a:effectRef idx="0">
+            <a:schemeClr val="accent1"/>
+          </a:effectRef>
+          <a:fontRef idx="minor">
+            <a:schemeClr val="lt1"/>
+          </a:fontRef>
+        </p:style>
+        <p:txBody>
+          <a:bodyPr rtlCol="0" anchor="ctr"/>
+          <a:lstStyle/>
+          <a:p>
+            <a:pPr algn="ctr"/>
+            <a:r>
+              <a:rPr lang="en-GB" dirty="0"/>
+              <a:t>Target Format 1</a:t>
+            </a:r>
+          </a:p>
+        </p:txBody>
+      </p:sp>
+      <p:cxnSp>
+        <p:nvCxnSpPr>
+          <p:cNvPr id="24" name="Gerade Verbindung mit Pfeil 23">
+            <a:extLst>
+              <a:ext uri="{FF2B5EF4-FFF2-40B4-BE49-F238E27FC236}">
+                <a16:creationId xmlns:a16="http://schemas.microsoft.com/office/drawing/2014/main" id="{DEFC6D72-B4F8-245E-5538-22B87CFCFDFD}"/>
+              </a:ext>
+            </a:extLst>
+          </p:cNvPr>
+          <p:cNvCxnSpPr>
+            <a:cxnSpLocks/>
+            <a:stCxn id="8" idx="3"/>
+            <a:endCxn id="22" idx="1"/>
+          </p:cNvCxnSpPr>
+          <p:nvPr/>
+        </p:nvCxnSpPr>
+        <p:spPr>
+          <a:xfrm flipV="1">
+            <a:off x="4975654" y="1785553"/>
+            <a:ext cx="1112108" cy="728919"/>
+          </a:xfrm>
+          <a:prstGeom prst="straightConnector1">
+            <a:avLst/>
+          </a:prstGeom>
+          <a:ln>
+            <a:tailEnd type="triangle"/>
+          </a:ln>
+        </p:spPr>
+        <p:style>
+          <a:lnRef idx="1">
+            <a:schemeClr val="accent1"/>
+          </a:lnRef>
+          <a:fillRef idx="0">
+            <a:schemeClr val="accent1"/>
+          </a:fillRef>
+          <a:effectRef idx="0">
+            <a:schemeClr val="accent1"/>
+          </a:effectRef>
+          <a:fontRef idx="minor">
+            <a:schemeClr val="tx1"/>
+          </a:fontRef>
+        </p:style>
+      </p:cxnSp>
+      <p:sp>
+        <p:nvSpPr>
+          <p:cNvPr id="25" name="Rechteck 24">
+            <a:extLst>
+              <a:ext uri="{FF2B5EF4-FFF2-40B4-BE49-F238E27FC236}">
+                <a16:creationId xmlns:a16="http://schemas.microsoft.com/office/drawing/2014/main" id="{FD6B730D-E778-0767-D47E-E1E46BF3AE33}"/>
+              </a:ext>
+            </a:extLst>
+          </p:cNvPr>
+          <p:cNvSpPr/>
+          <p:nvPr/>
+        </p:nvSpPr>
+        <p:spPr>
+          <a:xfrm>
+            <a:off x="6087762" y="2193258"/>
+            <a:ext cx="1342768" cy="650791"/>
+          </a:xfrm>
+          <a:prstGeom prst="rect">
+            <a:avLst/>
+          </a:prstGeom>
+        </p:spPr>
+        <p:style>
+          <a:lnRef idx="2">
+            <a:schemeClr val="accent1">
+              <a:shade val="15000"/>
+            </a:schemeClr>
+          </a:lnRef>
+          <a:fillRef idx="1">
+            <a:schemeClr val="accent1"/>
+          </a:fillRef>
+          <a:effectRef idx="0">
+            <a:schemeClr val="accent1"/>
+          </a:effectRef>
+          <a:fontRef idx="minor">
+            <a:schemeClr val="lt1"/>
+          </a:fontRef>
+        </p:style>
+        <p:txBody>
+          <a:bodyPr rtlCol="0" anchor="ctr"/>
+          <a:lstStyle/>
+          <a:p>
+            <a:pPr algn="ctr"/>
+            <a:r>
+              <a:rPr lang="en-GB" dirty="0"/>
+              <a:t>Target Format 2</a:t>
+            </a:r>
+          </a:p>
+        </p:txBody>
+      </p:sp>
+      <p:cxnSp>
+        <p:nvCxnSpPr>
+          <p:cNvPr id="27" name="Gerade Verbindung mit Pfeil 26">
+            <a:extLst>
+              <a:ext uri="{FF2B5EF4-FFF2-40B4-BE49-F238E27FC236}">
+                <a16:creationId xmlns:a16="http://schemas.microsoft.com/office/drawing/2014/main" id="{D24CEBB7-C7F9-A3F5-519A-66ECEAD4FB66}"/>
+              </a:ext>
+            </a:extLst>
+          </p:cNvPr>
+          <p:cNvCxnSpPr>
+            <a:cxnSpLocks/>
+            <a:stCxn id="8" idx="3"/>
+            <a:endCxn id="25" idx="1"/>
+          </p:cNvCxnSpPr>
+          <p:nvPr/>
+        </p:nvCxnSpPr>
+        <p:spPr>
+          <a:xfrm>
+            <a:off x="4975654" y="2514472"/>
+            <a:ext cx="1112108" cy="4182"/>
+          </a:xfrm>
+          <a:prstGeom prst="straightConnector1">
+            <a:avLst/>
+          </a:prstGeom>
+          <a:ln>
+            <a:tailEnd type="triangle"/>
+          </a:ln>
+        </p:spPr>
+        <p:style>
+          <a:lnRef idx="1">
+            <a:schemeClr val="accent1"/>
+          </a:lnRef>
+          <a:fillRef idx="0">
+            <a:schemeClr val="accent1"/>
+          </a:fillRef>
+          <a:effectRef idx="0">
+            <a:schemeClr val="accent1"/>
+          </a:effectRef>
+          <a:fontRef idx="minor">
+            <a:schemeClr val="tx1"/>
+          </a:fontRef>
+        </p:style>
+      </p:cxnSp>
+      <p:sp>
+        <p:nvSpPr>
+          <p:cNvPr id="28" name="Rechteck 27">
+            <a:extLst>
+              <a:ext uri="{FF2B5EF4-FFF2-40B4-BE49-F238E27FC236}">
+                <a16:creationId xmlns:a16="http://schemas.microsoft.com/office/drawing/2014/main" id="{E832EBE3-62BD-F669-DB45-A166707F75B4}"/>
+              </a:ext>
+            </a:extLst>
+          </p:cNvPr>
+          <p:cNvSpPr/>
+          <p:nvPr/>
+        </p:nvSpPr>
+        <p:spPr>
+          <a:xfrm>
+            <a:off x="1095632" y="4254843"/>
+            <a:ext cx="1342768" cy="650791"/>
+          </a:xfrm>
+          <a:prstGeom prst="rect">
+            <a:avLst/>
+          </a:prstGeom>
+        </p:spPr>
+        <p:style>
+          <a:lnRef idx="2">
+            <a:schemeClr val="accent1">
+              <a:shade val="15000"/>
+            </a:schemeClr>
+          </a:lnRef>
+          <a:fillRef idx="1">
+            <a:schemeClr val="accent1"/>
+          </a:fillRef>
+          <a:effectRef idx="0">
+            <a:schemeClr val="accent1"/>
+          </a:effectRef>
+          <a:fontRef idx="minor">
+            <a:schemeClr val="lt1"/>
+          </a:fontRef>
+        </p:style>
+        <p:txBody>
+          <a:bodyPr rtlCol="0" anchor="ctr"/>
+          <a:lstStyle/>
+          <a:p>
+            <a:pPr algn="ctr"/>
+            <a:r>
+              <a:rPr lang="en-GB" dirty="0"/>
+              <a:t>Source Format A</a:t>
+            </a:r>
+          </a:p>
+        </p:txBody>
+      </p:sp>
+      <p:sp>
+        <p:nvSpPr>
+          <p:cNvPr id="29" name="Rechteck 28">
+            <a:extLst>
+              <a:ext uri="{FF2B5EF4-FFF2-40B4-BE49-F238E27FC236}">
+                <a16:creationId xmlns:a16="http://schemas.microsoft.com/office/drawing/2014/main" id="{684D65EE-F57D-D744-380B-2B855DF4957D}"/>
+              </a:ext>
+            </a:extLst>
+          </p:cNvPr>
+          <p:cNvSpPr/>
+          <p:nvPr/>
+        </p:nvSpPr>
+        <p:spPr>
+          <a:xfrm>
+            <a:off x="1095632" y="5247502"/>
+            <a:ext cx="1342768" cy="650791"/>
+          </a:xfrm>
+          <a:prstGeom prst="rect">
+            <a:avLst/>
+          </a:prstGeom>
+        </p:spPr>
+        <p:style>
+          <a:lnRef idx="2">
+            <a:schemeClr val="accent1">
+              <a:shade val="15000"/>
+            </a:schemeClr>
+          </a:lnRef>
+          <a:fillRef idx="1">
+            <a:schemeClr val="accent1"/>
+          </a:fillRef>
+          <a:effectRef idx="0">
+            <a:schemeClr val="accent1"/>
+          </a:effectRef>
+          <a:fontRef idx="minor">
+            <a:schemeClr val="lt1"/>
+          </a:fontRef>
+        </p:style>
+        <p:txBody>
+          <a:bodyPr rtlCol="0" anchor="ctr"/>
+          <a:lstStyle/>
+          <a:p>
+            <a:pPr algn="ctr"/>
+            <a:r>
+              <a:rPr lang="en-GB" dirty="0"/>
+              <a:t>Source Format B</a:t>
+            </a:r>
+          </a:p>
+        </p:txBody>
+      </p:sp>
+      <p:cxnSp>
+        <p:nvCxnSpPr>
+          <p:cNvPr id="31" name="Gerade Verbindung mit Pfeil 30">
+            <a:extLst>
+              <a:ext uri="{FF2B5EF4-FFF2-40B4-BE49-F238E27FC236}">
+                <a16:creationId xmlns:a16="http://schemas.microsoft.com/office/drawing/2014/main" id="{2AD9FB82-0DC8-28BD-0CA6-B9483DEC08D1}"/>
+              </a:ext>
+            </a:extLst>
+          </p:cNvPr>
+          <p:cNvCxnSpPr>
+            <a:cxnSpLocks/>
+            <a:stCxn id="28" idx="3"/>
+            <a:endCxn id="35" idx="1"/>
+          </p:cNvCxnSpPr>
+          <p:nvPr/>
+        </p:nvCxnSpPr>
+        <p:spPr>
+          <a:xfrm>
+            <a:off x="2438400" y="4580239"/>
+            <a:ext cx="3649362" cy="774290"/>
+          </a:xfrm>
+          <a:prstGeom prst="straightConnector1">
+            <a:avLst/>
+          </a:prstGeom>
+          <a:ln>
+            <a:tailEnd type="triangle"/>
+          </a:ln>
+        </p:spPr>
+        <p:style>
+          <a:lnRef idx="1">
+            <a:schemeClr val="accent1"/>
+          </a:lnRef>
+          <a:fillRef idx="0">
+            <a:schemeClr val="accent1"/>
+          </a:fillRef>
+          <a:effectRef idx="0">
+            <a:schemeClr val="accent1"/>
+          </a:effectRef>
+          <a:fontRef idx="minor">
+            <a:schemeClr val="tx1"/>
+          </a:fontRef>
+        </p:style>
+      </p:cxnSp>
+      <p:cxnSp>
+        <p:nvCxnSpPr>
+          <p:cNvPr id="32" name="Gerade Verbindung mit Pfeil 31">
+            <a:extLst>
+              <a:ext uri="{FF2B5EF4-FFF2-40B4-BE49-F238E27FC236}">
+                <a16:creationId xmlns:a16="http://schemas.microsoft.com/office/drawing/2014/main" id="{4E17CAC2-E4B3-171B-7E7B-28A666C159A1}"/>
+              </a:ext>
+            </a:extLst>
+          </p:cNvPr>
+          <p:cNvCxnSpPr>
+            <a:cxnSpLocks/>
+            <a:stCxn id="29" idx="3"/>
+            <a:endCxn id="33" idx="1"/>
+          </p:cNvCxnSpPr>
+          <p:nvPr/>
+        </p:nvCxnSpPr>
+        <p:spPr>
+          <a:xfrm flipV="1">
+            <a:off x="2438400" y="4580239"/>
+            <a:ext cx="3649362" cy="992659"/>
+          </a:xfrm>
+          <a:prstGeom prst="straightConnector1">
+            <a:avLst/>
+          </a:prstGeom>
+          <a:ln>
+            <a:tailEnd type="triangle"/>
+          </a:ln>
+        </p:spPr>
+        <p:style>
+          <a:lnRef idx="1">
+            <a:schemeClr val="accent1"/>
+          </a:lnRef>
+          <a:fillRef idx="0">
+            <a:schemeClr val="accent1"/>
+          </a:fillRef>
+          <a:effectRef idx="0">
+            <a:schemeClr val="accent1"/>
+          </a:effectRef>
+          <a:fontRef idx="minor">
+            <a:schemeClr val="tx1"/>
+          </a:fontRef>
+        </p:style>
+      </p:cxnSp>
+      <p:sp>
+        <p:nvSpPr>
+          <p:cNvPr id="33" name="Rechteck 32">
+            <a:extLst>
+              <a:ext uri="{FF2B5EF4-FFF2-40B4-BE49-F238E27FC236}">
+                <a16:creationId xmlns:a16="http://schemas.microsoft.com/office/drawing/2014/main" id="{C1CDC791-B66C-1AC4-BFD3-9AD86D2BD965}"/>
+              </a:ext>
+            </a:extLst>
+          </p:cNvPr>
+          <p:cNvSpPr/>
+          <p:nvPr/>
+        </p:nvSpPr>
+        <p:spPr>
+          <a:xfrm>
+            <a:off x="6087762" y="4254843"/>
+            <a:ext cx="1342768" cy="650791"/>
+          </a:xfrm>
+          <a:prstGeom prst="rect">
+            <a:avLst/>
+          </a:prstGeom>
+        </p:spPr>
+        <p:style>
+          <a:lnRef idx="2">
+            <a:schemeClr val="accent1">
+              <a:shade val="15000"/>
+            </a:schemeClr>
+          </a:lnRef>
+          <a:fillRef idx="1">
+            <a:schemeClr val="accent1"/>
+          </a:fillRef>
+          <a:effectRef idx="0">
+            <a:schemeClr val="accent1"/>
+          </a:effectRef>
+          <a:fontRef idx="minor">
+            <a:schemeClr val="lt1"/>
+          </a:fontRef>
+        </p:style>
+        <p:txBody>
+          <a:bodyPr rtlCol="0" anchor="ctr"/>
+          <a:lstStyle/>
+          <a:p>
+            <a:pPr algn="ctr"/>
+            <a:r>
+              <a:rPr lang="en-GB" dirty="0"/>
+              <a:t>Target Format 1</a:t>
+            </a:r>
+          </a:p>
+        </p:txBody>
+      </p:sp>
+      <p:cxnSp>
+        <p:nvCxnSpPr>
+          <p:cNvPr id="34" name="Gerade Verbindung mit Pfeil 33">
+            <a:extLst>
+              <a:ext uri="{FF2B5EF4-FFF2-40B4-BE49-F238E27FC236}">
+                <a16:creationId xmlns:a16="http://schemas.microsoft.com/office/drawing/2014/main" id="{330B5D70-2B7D-4938-A87D-405F7992F72F}"/>
+              </a:ext>
+            </a:extLst>
+          </p:cNvPr>
+          <p:cNvCxnSpPr>
+            <a:cxnSpLocks/>
+            <a:stCxn id="28" idx="3"/>
+            <a:endCxn id="33" idx="1"/>
+          </p:cNvCxnSpPr>
+          <p:nvPr/>
+        </p:nvCxnSpPr>
+        <p:spPr>
+          <a:xfrm>
+            <a:off x="2438400" y="4580239"/>
+            <a:ext cx="3649362" cy="0"/>
+          </a:xfrm>
+          <a:prstGeom prst="straightConnector1">
+            <a:avLst/>
+          </a:prstGeom>
+          <a:ln>
+            <a:tailEnd type="triangle"/>
+          </a:ln>
+        </p:spPr>
+        <p:style>
+          <a:lnRef idx="1">
+            <a:schemeClr val="accent1"/>
+          </a:lnRef>
+          <a:fillRef idx="0">
+            <a:schemeClr val="accent1"/>
+          </a:fillRef>
+          <a:effectRef idx="0">
+            <a:schemeClr val="accent1"/>
+          </a:effectRef>
+          <a:fontRef idx="minor">
+            <a:schemeClr val="tx1"/>
+          </a:fontRef>
+        </p:style>
+      </p:cxnSp>
+      <p:sp>
+        <p:nvSpPr>
+          <p:cNvPr id="35" name="Rechteck 34">
+            <a:extLst>
+              <a:ext uri="{FF2B5EF4-FFF2-40B4-BE49-F238E27FC236}">
+                <a16:creationId xmlns:a16="http://schemas.microsoft.com/office/drawing/2014/main" id="{77E18E61-0EDA-E493-970E-CA43862E5F61}"/>
+              </a:ext>
+            </a:extLst>
+          </p:cNvPr>
+          <p:cNvSpPr/>
+          <p:nvPr/>
+        </p:nvSpPr>
+        <p:spPr>
+          <a:xfrm>
+            <a:off x="6087762" y="5029133"/>
+            <a:ext cx="1342768" cy="650791"/>
+          </a:xfrm>
+          <a:prstGeom prst="rect">
+            <a:avLst/>
+          </a:prstGeom>
+        </p:spPr>
+        <p:style>
+          <a:lnRef idx="2">
+            <a:schemeClr val="accent1">
+              <a:shade val="15000"/>
+            </a:schemeClr>
+          </a:lnRef>
+          <a:fillRef idx="1">
+            <a:schemeClr val="accent1"/>
+          </a:fillRef>
+          <a:effectRef idx="0">
+            <a:schemeClr val="accent1"/>
+          </a:effectRef>
+          <a:fontRef idx="minor">
+            <a:schemeClr val="lt1"/>
+          </a:fontRef>
+        </p:style>
+        <p:txBody>
+          <a:bodyPr rtlCol="0" anchor="ctr"/>
+          <a:lstStyle/>
+          <a:p>
+            <a:pPr algn="ctr"/>
+            <a:r>
+              <a:rPr lang="en-GB" dirty="0"/>
+              <a:t>Target Format 2</a:t>
+            </a:r>
+          </a:p>
+        </p:txBody>
+      </p:sp>
+      <p:cxnSp>
+        <p:nvCxnSpPr>
+          <p:cNvPr id="36" name="Gerade Verbindung mit Pfeil 35">
+            <a:extLst>
+              <a:ext uri="{FF2B5EF4-FFF2-40B4-BE49-F238E27FC236}">
+                <a16:creationId xmlns:a16="http://schemas.microsoft.com/office/drawing/2014/main" id="{E642B71D-8907-04B8-E53E-23895710E74A}"/>
+              </a:ext>
+            </a:extLst>
+          </p:cNvPr>
+          <p:cNvCxnSpPr>
+            <a:cxnSpLocks/>
+            <a:stCxn id="29" idx="3"/>
+            <a:endCxn id="35" idx="1"/>
+          </p:cNvCxnSpPr>
+          <p:nvPr/>
+        </p:nvCxnSpPr>
+        <p:spPr>
+          <a:xfrm flipV="1">
+            <a:off x="2438400" y="5354529"/>
+            <a:ext cx="3649362" cy="218369"/>
+          </a:xfrm>
+          <a:prstGeom prst="straightConnector1">
+            <a:avLst/>
+          </a:prstGeom>
+          <a:ln>
+            <a:tailEnd type="triangle"/>
+          </a:ln>
+        </p:spPr>
+        <p:style>
+          <a:lnRef idx="1">
+            <a:schemeClr val="accent1"/>
+          </a:lnRef>
+          <a:fillRef idx="0">
+            <a:schemeClr val="accent1"/>
+          </a:fillRef>
+          <a:effectRef idx="0">
+            <a:schemeClr val="accent1"/>
+          </a:effectRef>
+          <a:fontRef idx="minor">
+            <a:schemeClr val="tx1"/>
+          </a:fontRef>
+        </p:style>
+      </p:cxnSp>
+      <p:sp>
+        <p:nvSpPr>
+          <p:cNvPr id="57" name="Rechteck 56">
+            <a:extLst>
+              <a:ext uri="{FF2B5EF4-FFF2-40B4-BE49-F238E27FC236}">
+                <a16:creationId xmlns:a16="http://schemas.microsoft.com/office/drawing/2014/main" id="{B4B67C9E-05AE-DC2E-6DD4-C982AECA4AF7}"/>
+              </a:ext>
+            </a:extLst>
+          </p:cNvPr>
+          <p:cNvSpPr/>
+          <p:nvPr/>
+        </p:nvSpPr>
+        <p:spPr>
+          <a:xfrm>
+            <a:off x="6087762" y="2916127"/>
+            <a:ext cx="1342768" cy="650791"/>
+          </a:xfrm>
+          <a:prstGeom prst="rect">
+            <a:avLst/>
+          </a:prstGeom>
+        </p:spPr>
+        <p:style>
+          <a:lnRef idx="2">
+            <a:schemeClr val="accent1">
+              <a:shade val="15000"/>
+            </a:schemeClr>
+          </a:lnRef>
+          <a:fillRef idx="1">
+            <a:schemeClr val="accent1"/>
+          </a:fillRef>
+          <a:effectRef idx="0">
+            <a:schemeClr val="accent1"/>
+          </a:effectRef>
+          <a:fontRef idx="minor">
+            <a:schemeClr val="lt1"/>
+          </a:fontRef>
+        </p:style>
+        <p:txBody>
+          <a:bodyPr rtlCol="0" anchor="ctr"/>
+          <a:lstStyle/>
+          <a:p>
+            <a:pPr algn="ctr"/>
+            <a:r>
+              <a:rPr lang="en-GB" dirty="0"/>
+              <a:t>Target Format 3</a:t>
+            </a:r>
+          </a:p>
+        </p:txBody>
+      </p:sp>
+      <p:cxnSp>
+        <p:nvCxnSpPr>
+          <p:cNvPr id="59" name="Gerade Verbindung mit Pfeil 58">
+            <a:extLst>
+              <a:ext uri="{FF2B5EF4-FFF2-40B4-BE49-F238E27FC236}">
+                <a16:creationId xmlns:a16="http://schemas.microsoft.com/office/drawing/2014/main" id="{8F32759E-F30E-9D98-3D04-49F91A99340F}"/>
+              </a:ext>
+            </a:extLst>
+          </p:cNvPr>
+          <p:cNvCxnSpPr>
+            <a:cxnSpLocks/>
+            <a:stCxn id="8" idx="3"/>
+            <a:endCxn id="57" idx="1"/>
+          </p:cNvCxnSpPr>
+          <p:nvPr/>
+        </p:nvCxnSpPr>
+        <p:spPr>
+          <a:xfrm>
+            <a:off x="4975654" y="2514472"/>
+            <a:ext cx="1112108" cy="727051"/>
+          </a:xfrm>
+          <a:prstGeom prst="straightConnector1">
+            <a:avLst/>
+          </a:prstGeom>
+          <a:ln>
+            <a:tailEnd type="triangle"/>
+          </a:ln>
+        </p:spPr>
+        <p:style>
+          <a:lnRef idx="1">
+            <a:schemeClr val="accent1"/>
+          </a:lnRef>
+          <a:fillRef idx="0">
+            <a:schemeClr val="accent1"/>
+          </a:fillRef>
+          <a:effectRef idx="0">
+            <a:schemeClr val="accent1"/>
+          </a:effectRef>
+          <a:fontRef idx="minor">
+            <a:schemeClr val="tx1"/>
+          </a:fontRef>
+        </p:style>
+      </p:cxnSp>
+      <p:sp>
+        <p:nvSpPr>
+          <p:cNvPr id="62" name="Rechteck 61">
+            <a:extLst>
+              <a:ext uri="{FF2B5EF4-FFF2-40B4-BE49-F238E27FC236}">
+                <a16:creationId xmlns:a16="http://schemas.microsoft.com/office/drawing/2014/main" id="{83AD6F9F-AA94-4B37-81C2-3AD9A117C583}"/>
+              </a:ext>
+            </a:extLst>
+          </p:cNvPr>
+          <p:cNvSpPr/>
+          <p:nvPr/>
+        </p:nvSpPr>
+        <p:spPr>
+          <a:xfrm>
+            <a:off x="6087762" y="5782830"/>
+            <a:ext cx="1342768" cy="650791"/>
+          </a:xfrm>
+          <a:prstGeom prst="rect">
+            <a:avLst/>
+          </a:prstGeom>
+        </p:spPr>
+        <p:style>
+          <a:lnRef idx="2">
+            <a:schemeClr val="accent1">
+              <a:shade val="15000"/>
+            </a:schemeClr>
+          </a:lnRef>
+          <a:fillRef idx="1">
+            <a:schemeClr val="accent1"/>
+          </a:fillRef>
+          <a:effectRef idx="0">
+            <a:schemeClr val="accent1"/>
+          </a:effectRef>
+          <a:fontRef idx="minor">
+            <a:schemeClr val="lt1"/>
+          </a:fontRef>
+        </p:style>
+        <p:txBody>
+          <a:bodyPr rtlCol="0" anchor="ctr"/>
+          <a:lstStyle/>
+          <a:p>
+            <a:pPr algn="ctr"/>
+            <a:r>
+              <a:rPr lang="en-GB" dirty="0"/>
+              <a:t>Target Format 2</a:t>
+            </a:r>
+          </a:p>
+        </p:txBody>
+      </p:sp>
+      <p:cxnSp>
+        <p:nvCxnSpPr>
+          <p:cNvPr id="65" name="Gerade Verbindung mit Pfeil 64">
+            <a:extLst>
+              <a:ext uri="{FF2B5EF4-FFF2-40B4-BE49-F238E27FC236}">
+                <a16:creationId xmlns:a16="http://schemas.microsoft.com/office/drawing/2014/main" id="{30311B1B-9617-408B-6847-B11374F504E3}"/>
+              </a:ext>
+            </a:extLst>
+          </p:cNvPr>
+          <p:cNvCxnSpPr>
+            <a:cxnSpLocks/>
+            <a:stCxn id="28" idx="3"/>
+            <a:endCxn id="62" idx="1"/>
+          </p:cNvCxnSpPr>
+          <p:nvPr/>
+        </p:nvCxnSpPr>
+        <p:spPr>
+          <a:xfrm>
+            <a:off x="2438400" y="4580239"/>
+            <a:ext cx="3649362" cy="1527987"/>
+          </a:xfrm>
+          <a:prstGeom prst="straightConnector1">
+            <a:avLst/>
+          </a:prstGeom>
+          <a:ln>
+            <a:tailEnd type="triangle"/>
+          </a:ln>
+        </p:spPr>
+        <p:style>
+          <a:lnRef idx="1">
+            <a:schemeClr val="accent1"/>
+          </a:lnRef>
+          <a:fillRef idx="0">
+            <a:schemeClr val="accent1"/>
+          </a:fillRef>
+          <a:effectRef idx="0">
+            <a:schemeClr val="accent1"/>
+          </a:effectRef>
+          <a:fontRef idx="minor">
+            <a:schemeClr val="tx1"/>
+          </a:fontRef>
+        </p:style>
+      </p:cxnSp>
+      <p:cxnSp>
+        <p:nvCxnSpPr>
+          <p:cNvPr id="68" name="Gerade Verbindung mit Pfeil 67">
+            <a:extLst>
+              <a:ext uri="{FF2B5EF4-FFF2-40B4-BE49-F238E27FC236}">
+                <a16:creationId xmlns:a16="http://schemas.microsoft.com/office/drawing/2014/main" id="{120F40A2-676C-5668-9461-61E7429E7571}"/>
+              </a:ext>
+            </a:extLst>
+          </p:cNvPr>
+          <p:cNvCxnSpPr>
+            <a:cxnSpLocks/>
+            <a:stCxn id="29" idx="3"/>
+            <a:endCxn id="62" idx="1"/>
+          </p:cNvCxnSpPr>
+          <p:nvPr/>
+        </p:nvCxnSpPr>
+        <p:spPr>
+          <a:xfrm>
+            <a:off x="2438400" y="5572898"/>
+            <a:ext cx="3649362" cy="535328"/>
+          </a:xfrm>
+          <a:prstGeom prst="straightConnector1">
+            <a:avLst/>
+          </a:prstGeom>
+          <a:ln>
+            <a:tailEnd type="triangle"/>
+          </a:ln>
+        </p:spPr>
+        <p:style>
+          <a:lnRef idx="1">
+            <a:schemeClr val="accent1"/>
+          </a:lnRef>
+          <a:fillRef idx="0">
+            <a:schemeClr val="accent1"/>
+          </a:fillRef>
+          <a:effectRef idx="0">
+            <a:schemeClr val="accent1"/>
+          </a:effectRef>
+          <a:fontRef idx="minor">
+            <a:schemeClr val="tx1"/>
+          </a:fontRef>
+        </p:style>
+      </p:cxnSp>
+    </p:spTree>
+    <p:extLst>
+      <p:ext uri="{BB962C8B-B14F-4D97-AF65-F5344CB8AC3E}">
+        <p14:creationId xmlns:p14="http://schemas.microsoft.com/office/powerpoint/2010/main" val="2066379196"/>
+      </p:ext>
+    </p:extLst>
+  </p:cSld>
+  <p:clrMapOvr>
+    <a:masterClrMapping/>
+  </p:clrMapOvr>
+</p:sld>
+</file>
+
+<file path=ppt/slides/slide7.xml><?xml version="1.0" encoding="utf-8"?>
+<p:sld xmlns:a="http://schemas.openxmlformats.org/drawingml/2006/main" xmlns:r="http://schemas.openxmlformats.org/officeDocument/2006/relationships" xmlns:p="http://schemas.openxmlformats.org/presentationml/2006/main">
+  <p:cSld>
+    <p:spTree>
+      <p:nvGrpSpPr>
+        <p:cNvPr id="1" name=""/>
+        <p:cNvGrpSpPr/>
+        <p:nvPr/>
+      </p:nvGrpSpPr>
+      <p:grpSpPr>
+        <a:xfrm>
+          <a:off x="0" y="0"/>
+          <a:ext cx="0" cy="0"/>
+          <a:chOff x="0" y="0"/>
+          <a:chExt cx="0" cy="0"/>
+        </a:xfrm>
+      </p:grpSpPr>
+      <p:sp>
+        <p:nvSpPr>
+          <p:cNvPr id="2" name="Titel 1">
+            <a:extLst>
+              <a:ext uri="{FF2B5EF4-FFF2-40B4-BE49-F238E27FC236}">
+                <a16:creationId xmlns:a16="http://schemas.microsoft.com/office/drawing/2014/main" id="{D0520EA6-8A46-39A8-6278-9E165DD8146E}"/>
+              </a:ext>
+            </a:extLst>
+          </p:cNvPr>
+          <p:cNvSpPr>
+            <a:spLocks noGrp="1"/>
+          </p:cNvSpPr>
+          <p:nvPr>
+            <p:ph type="title"/>
+          </p:nvPr>
+        </p:nvSpPr>
+        <p:spPr/>
+        <p:txBody>
+          <a:bodyPr/>
+          <a:lstStyle/>
+          <a:p>
+            <a:r>
+              <a:rPr lang="en-GB" dirty="0" err="1"/>
+              <a:t>Zugferd</a:t>
+            </a:r>
+            <a:endParaRPr lang="en-GB" dirty="0"/>
+          </a:p>
+        </p:txBody>
+      </p:sp>
+      <p:sp>
+        <p:nvSpPr>
+          <p:cNvPr id="3" name="Rechteck 2">
+            <a:extLst>
+              <a:ext uri="{FF2B5EF4-FFF2-40B4-BE49-F238E27FC236}">
+                <a16:creationId xmlns:a16="http://schemas.microsoft.com/office/drawing/2014/main" id="{470D53DE-5FD4-F5C5-0300-F4FA359E3627}"/>
+              </a:ext>
+            </a:extLst>
+          </p:cNvPr>
+          <p:cNvSpPr/>
+          <p:nvPr/>
+        </p:nvSpPr>
+        <p:spPr>
+          <a:xfrm>
+            <a:off x="838200" y="2357954"/>
+            <a:ext cx="3017108" cy="2940908"/>
+          </a:xfrm>
+          <a:prstGeom prst="rect">
+            <a:avLst/>
+          </a:prstGeom>
+        </p:spPr>
+        <p:style>
+          <a:lnRef idx="2">
+            <a:schemeClr val="accent1">
+              <a:shade val="15000"/>
+            </a:schemeClr>
+          </a:lnRef>
+          <a:fillRef idx="1">
+            <a:schemeClr val="accent1"/>
+          </a:fillRef>
+          <a:effectRef idx="0">
+            <a:schemeClr val="accent1"/>
+          </a:effectRef>
+          <a:fontRef idx="minor">
+            <a:schemeClr val="lt1"/>
+          </a:fontRef>
+        </p:style>
+        <p:txBody>
+          <a:bodyPr rtlCol="0" anchor="t"/>
+          <a:lstStyle/>
+          <a:p>
+            <a:pPr algn="ctr"/>
+            <a:r>
+              <a:rPr lang="en-GB" dirty="0" err="1"/>
+              <a:t>Zugferd</a:t>
+            </a:r>
+            <a:r>
+              <a:rPr lang="en-GB" dirty="0"/>
+              <a:t> / </a:t>
+            </a:r>
+            <a:r>
+              <a:rPr lang="en-GB" dirty="0" err="1"/>
+              <a:t>Factur</a:t>
+            </a:r>
+            <a:r>
+              <a:rPr lang="en-GB" dirty="0"/>
+              <a:t>-X PDF</a:t>
+            </a:r>
+          </a:p>
+        </p:txBody>
+      </p:sp>
+      <p:sp>
+        <p:nvSpPr>
+          <p:cNvPr id="4" name="Rechteck 3">
+            <a:extLst>
+              <a:ext uri="{FF2B5EF4-FFF2-40B4-BE49-F238E27FC236}">
+                <a16:creationId xmlns:a16="http://schemas.microsoft.com/office/drawing/2014/main" id="{3AE79445-9FBC-5A78-6220-02BEAA6F9910}"/>
+              </a:ext>
+            </a:extLst>
+          </p:cNvPr>
+          <p:cNvSpPr/>
+          <p:nvPr/>
+        </p:nvSpPr>
+        <p:spPr>
+          <a:xfrm>
+            <a:off x="1143000" y="3122869"/>
+            <a:ext cx="2432222" cy="1976353"/>
+          </a:xfrm>
+          <a:prstGeom prst="rect">
+            <a:avLst/>
+          </a:prstGeom>
+        </p:spPr>
+        <p:style>
+          <a:lnRef idx="2">
+            <a:schemeClr val="accent2">
+              <a:shade val="15000"/>
+            </a:schemeClr>
+          </a:lnRef>
+          <a:fillRef idx="1">
+            <a:schemeClr val="accent2"/>
+          </a:fillRef>
+          <a:effectRef idx="0">
+            <a:schemeClr val="accent2"/>
+          </a:effectRef>
+          <a:fontRef idx="minor">
+            <a:schemeClr val="lt1"/>
+          </a:fontRef>
+        </p:style>
+        <p:txBody>
+          <a:bodyPr rtlCol="0" anchor="t"/>
+          <a:lstStyle/>
+          <a:p>
+            <a:pPr algn="ctr"/>
+            <a:r>
+              <a:rPr lang="en-GB" dirty="0"/>
+              <a:t>CII (Original)</a:t>
+            </a:r>
+          </a:p>
+        </p:txBody>
+      </p:sp>
+      <p:sp>
+        <p:nvSpPr>
+          <p:cNvPr id="5" name="Rechteck 4">
+            <a:extLst>
+              <a:ext uri="{FF2B5EF4-FFF2-40B4-BE49-F238E27FC236}">
+                <a16:creationId xmlns:a16="http://schemas.microsoft.com/office/drawing/2014/main" id="{4671FF85-8F13-ECBE-E71C-671FA00BEA3B}"/>
+              </a:ext>
+            </a:extLst>
+          </p:cNvPr>
+          <p:cNvSpPr/>
+          <p:nvPr/>
+        </p:nvSpPr>
+        <p:spPr>
+          <a:xfrm>
+            <a:off x="6153665" y="2372498"/>
+            <a:ext cx="2010033" cy="1976353"/>
+          </a:xfrm>
+          <a:prstGeom prst="rect">
+            <a:avLst/>
+          </a:prstGeom>
+        </p:spPr>
+        <p:style>
+          <a:lnRef idx="2">
+            <a:schemeClr val="accent1">
+              <a:shade val="15000"/>
+            </a:schemeClr>
+          </a:lnRef>
+          <a:fillRef idx="1">
+            <a:schemeClr val="accent1"/>
+          </a:fillRef>
+          <a:effectRef idx="0">
+            <a:schemeClr val="accent1"/>
+          </a:effectRef>
+          <a:fontRef idx="minor">
+            <a:schemeClr val="lt1"/>
+          </a:fontRef>
+        </p:style>
+        <p:txBody>
+          <a:bodyPr rtlCol="0" anchor="t"/>
+          <a:lstStyle/>
+          <a:p>
+            <a:pPr algn="ctr"/>
+            <a:r>
+              <a:rPr lang="en-GB" dirty="0" err="1"/>
+              <a:t>Zugferd</a:t>
+            </a:r>
+            <a:r>
+              <a:rPr lang="en-GB" dirty="0"/>
+              <a:t> / </a:t>
+            </a:r>
+            <a:r>
+              <a:rPr lang="en-GB" dirty="0" err="1"/>
+              <a:t>Factur</a:t>
+            </a:r>
+            <a:r>
+              <a:rPr lang="en-GB" dirty="0"/>
+              <a:t>-X PDF</a:t>
+            </a:r>
+          </a:p>
+        </p:txBody>
+      </p:sp>
+      <p:sp>
+        <p:nvSpPr>
+          <p:cNvPr id="6" name="Rechteck 5">
+            <a:extLst>
+              <a:ext uri="{FF2B5EF4-FFF2-40B4-BE49-F238E27FC236}">
+                <a16:creationId xmlns:a16="http://schemas.microsoft.com/office/drawing/2014/main" id="{19B718AD-3DEF-682B-F035-AF46B3AF1F8D}"/>
+              </a:ext>
+            </a:extLst>
+          </p:cNvPr>
+          <p:cNvSpPr/>
+          <p:nvPr/>
+        </p:nvSpPr>
+        <p:spPr>
+          <a:xfrm>
+            <a:off x="8284176" y="2372498"/>
+            <a:ext cx="1733035" cy="1976353"/>
+          </a:xfrm>
+          <a:prstGeom prst="rect">
+            <a:avLst/>
+          </a:prstGeom>
+        </p:spPr>
+        <p:style>
+          <a:lnRef idx="2">
+            <a:schemeClr val="accent2">
+              <a:shade val="15000"/>
+            </a:schemeClr>
+          </a:lnRef>
+          <a:fillRef idx="1">
+            <a:schemeClr val="accent2"/>
+          </a:fillRef>
+          <a:effectRef idx="0">
+            <a:schemeClr val="accent2"/>
+          </a:effectRef>
+          <a:fontRef idx="minor">
+            <a:schemeClr val="lt1"/>
+          </a:fontRef>
+        </p:style>
+        <p:txBody>
+          <a:bodyPr rtlCol="0" anchor="t"/>
+          <a:lstStyle/>
+          <a:p>
+            <a:pPr algn="ctr"/>
+            <a:r>
+              <a:rPr lang="en-GB" dirty="0"/>
+              <a:t>CII (Original)</a:t>
+            </a:r>
+          </a:p>
+        </p:txBody>
+      </p:sp>
+    </p:spTree>
+    <p:extLst>
+      <p:ext uri="{BB962C8B-B14F-4D97-AF65-F5344CB8AC3E}">
+        <p14:creationId xmlns:p14="http://schemas.microsoft.com/office/powerpoint/2010/main" val="4190772710"/>
+      </p:ext>
+    </p:extLst>
+  </p:cSld>
+  <p:clrMapOvr>
+    <a:masterClrMapping/>
+  </p:clrMapOvr>
+</p:sld>
+</file>
+
+<file path=ppt/slides/slide8.xml><?xml version="1.0" encoding="utf-8"?>
+<p:sld xmlns:a="http://schemas.openxmlformats.org/drawingml/2006/main" xmlns:r="http://schemas.openxmlformats.org/officeDocument/2006/relationships" xmlns:p="http://schemas.openxmlformats.org/presentationml/2006/main">
+  <p:cSld>
+    <p:spTree>
+      <p:nvGrpSpPr>
+        <p:cNvPr id="1" name=""/>
+        <p:cNvGrpSpPr/>
+        <p:nvPr/>
+      </p:nvGrpSpPr>
+      <p:grpSpPr>
+        <a:xfrm>
+          <a:off x="0" y="0"/>
+          <a:ext cx="0" cy="0"/>
+          <a:chOff x="0" y="0"/>
+          <a:chExt cx="0" cy="0"/>
+        </a:xfrm>
+      </p:grpSpPr>
+      <p:sp>
+        <p:nvSpPr>
+          <p:cNvPr id="2" name="Titel 1">
+            <a:extLst>
+              <a:ext uri="{FF2B5EF4-FFF2-40B4-BE49-F238E27FC236}">
+                <a16:creationId xmlns:a16="http://schemas.microsoft.com/office/drawing/2014/main" id="{7CE0EDDD-795C-0E39-4A87-5576006F72A5}"/>
+              </a:ext>
+            </a:extLst>
+          </p:cNvPr>
+          <p:cNvSpPr>
+            <a:spLocks noGrp="1"/>
+          </p:cNvSpPr>
+          <p:nvPr>
+            <p:ph type="title"/>
+          </p:nvPr>
+        </p:nvSpPr>
+        <p:spPr/>
+        <p:txBody>
+          <a:bodyPr/>
+          <a:lstStyle/>
+          <a:p>
+            <a:r>
+              <a:rPr lang="en-GB" dirty="0"/>
+              <a:t>Pipeline</a:t>
+            </a:r>
+          </a:p>
+        </p:txBody>
+      </p:sp>
+      <p:sp>
+        <p:nvSpPr>
+          <p:cNvPr id="3" name="Rechteck 2">
+            <a:extLst>
+              <a:ext uri="{FF2B5EF4-FFF2-40B4-BE49-F238E27FC236}">
+                <a16:creationId xmlns:a16="http://schemas.microsoft.com/office/drawing/2014/main" id="{FF569721-8F17-A57E-95EC-16AFB415A4AD}"/>
+              </a:ext>
+            </a:extLst>
+          </p:cNvPr>
+          <p:cNvSpPr/>
+          <p:nvPr/>
+        </p:nvSpPr>
+        <p:spPr>
+          <a:xfrm>
+            <a:off x="947351" y="1776219"/>
+            <a:ext cx="1178011" cy="939114"/>
+          </a:xfrm>
+          <a:prstGeom prst="rect">
+            <a:avLst/>
+          </a:prstGeom>
+        </p:spPr>
+        <p:style>
+          <a:lnRef idx="2">
+            <a:schemeClr val="accent1">
+              <a:shade val="15000"/>
+            </a:schemeClr>
+          </a:lnRef>
+          <a:fillRef idx="1">
+            <a:schemeClr val="accent1"/>
+          </a:fillRef>
+          <a:effectRef idx="0">
+            <a:schemeClr val="accent1"/>
+          </a:effectRef>
+          <a:fontRef idx="minor">
+            <a:schemeClr val="lt1"/>
+          </a:fontRef>
+        </p:style>
+        <p:txBody>
+          <a:bodyPr rtlCol="0" anchor="ctr"/>
+          <a:lstStyle/>
+          <a:p>
+            <a:pPr algn="ctr"/>
+            <a:r>
+              <a:rPr lang="en-GB" dirty="0"/>
+              <a:t>UBL</a:t>
+            </a:r>
+          </a:p>
+        </p:txBody>
+      </p:sp>
+      <p:sp>
+        <p:nvSpPr>
+          <p:cNvPr id="4" name="Rechteck 3">
+            <a:extLst>
+              <a:ext uri="{FF2B5EF4-FFF2-40B4-BE49-F238E27FC236}">
+                <a16:creationId xmlns:a16="http://schemas.microsoft.com/office/drawing/2014/main" id="{942C7D55-CD6C-7403-E46D-0706A5765762}"/>
+              </a:ext>
+            </a:extLst>
+          </p:cNvPr>
+          <p:cNvSpPr/>
+          <p:nvPr/>
+        </p:nvSpPr>
+        <p:spPr>
+          <a:xfrm>
+            <a:off x="2912075" y="2578443"/>
+            <a:ext cx="1178011" cy="939114"/>
+          </a:xfrm>
+          <a:prstGeom prst="rect">
+            <a:avLst/>
+          </a:prstGeom>
+        </p:spPr>
+        <p:style>
+          <a:lnRef idx="2">
+            <a:schemeClr val="accent1">
+              <a:shade val="15000"/>
+            </a:schemeClr>
+          </a:lnRef>
+          <a:fillRef idx="1">
+            <a:schemeClr val="accent1"/>
+          </a:fillRef>
+          <a:effectRef idx="0">
+            <a:schemeClr val="accent1"/>
+          </a:effectRef>
+          <a:fontRef idx="minor">
+            <a:schemeClr val="lt1"/>
+          </a:fontRef>
+        </p:style>
+        <p:txBody>
+          <a:bodyPr rtlCol="0" anchor="ctr"/>
+          <a:lstStyle/>
+          <a:p>
+            <a:pPr algn="ctr"/>
+            <a:r>
+              <a:rPr lang="en-GB" dirty="0"/>
+              <a:t>HTML</a:t>
+            </a:r>
+          </a:p>
+        </p:txBody>
+      </p:sp>
+      <p:sp>
+        <p:nvSpPr>
+          <p:cNvPr id="5" name="Rechteck 4">
+            <a:extLst>
+              <a:ext uri="{FF2B5EF4-FFF2-40B4-BE49-F238E27FC236}">
+                <a16:creationId xmlns:a16="http://schemas.microsoft.com/office/drawing/2014/main" id="{3D6AE82F-9938-977E-9390-36BBF0DBFC48}"/>
+              </a:ext>
+            </a:extLst>
+          </p:cNvPr>
+          <p:cNvSpPr/>
+          <p:nvPr/>
+        </p:nvSpPr>
+        <p:spPr>
+          <a:xfrm>
+            <a:off x="4876799" y="2578443"/>
+            <a:ext cx="1178011" cy="939114"/>
+          </a:xfrm>
+          <a:prstGeom prst="rect">
+            <a:avLst/>
+          </a:prstGeom>
+        </p:spPr>
+        <p:style>
+          <a:lnRef idx="2">
+            <a:schemeClr val="accent1">
+              <a:shade val="15000"/>
+            </a:schemeClr>
+          </a:lnRef>
+          <a:fillRef idx="1">
+            <a:schemeClr val="accent1"/>
+          </a:fillRef>
+          <a:effectRef idx="0">
+            <a:schemeClr val="accent1"/>
+          </a:effectRef>
+          <a:fontRef idx="minor">
+            <a:schemeClr val="lt1"/>
+          </a:fontRef>
+        </p:style>
+        <p:txBody>
+          <a:bodyPr rtlCol="0" anchor="ctr"/>
+          <a:lstStyle/>
+          <a:p>
+            <a:pPr algn="ctr"/>
+            <a:r>
+              <a:rPr lang="en-GB" dirty="0" err="1"/>
+              <a:t>AsciiDoc</a:t>
+            </a:r>
+            <a:endParaRPr lang="en-GB" dirty="0"/>
+          </a:p>
+        </p:txBody>
+      </p:sp>
+      <p:sp>
+        <p:nvSpPr>
+          <p:cNvPr id="6" name="Rechteck 5">
+            <a:extLst>
+              <a:ext uri="{FF2B5EF4-FFF2-40B4-BE49-F238E27FC236}">
+                <a16:creationId xmlns:a16="http://schemas.microsoft.com/office/drawing/2014/main" id="{E58F7ED3-89EC-CFD6-AAA8-3B2227EBCDF0}"/>
+              </a:ext>
+            </a:extLst>
+          </p:cNvPr>
+          <p:cNvSpPr/>
+          <p:nvPr/>
+        </p:nvSpPr>
+        <p:spPr>
+          <a:xfrm>
+            <a:off x="6841523" y="2578443"/>
+            <a:ext cx="1178011" cy="939114"/>
+          </a:xfrm>
+          <a:prstGeom prst="rect">
+            <a:avLst/>
+          </a:prstGeom>
+        </p:spPr>
+        <p:style>
+          <a:lnRef idx="2">
+            <a:schemeClr val="accent1">
+              <a:shade val="15000"/>
+            </a:schemeClr>
+          </a:lnRef>
+          <a:fillRef idx="1">
+            <a:schemeClr val="accent1"/>
+          </a:fillRef>
+          <a:effectRef idx="0">
+            <a:schemeClr val="accent1"/>
+          </a:effectRef>
+          <a:fontRef idx="minor">
+            <a:schemeClr val="lt1"/>
+          </a:fontRef>
+        </p:style>
+        <p:txBody>
+          <a:bodyPr rtlCol="0" anchor="ctr"/>
+          <a:lstStyle/>
+          <a:p>
+            <a:pPr algn="ctr"/>
+            <a:r>
+              <a:rPr lang="en-GB" dirty="0"/>
+              <a:t>PDF</a:t>
+            </a:r>
+          </a:p>
+        </p:txBody>
+      </p:sp>
+      <p:cxnSp>
+        <p:nvCxnSpPr>
+          <p:cNvPr id="8" name="Gerade Verbindung mit Pfeil 7">
+            <a:extLst>
+              <a:ext uri="{FF2B5EF4-FFF2-40B4-BE49-F238E27FC236}">
+                <a16:creationId xmlns:a16="http://schemas.microsoft.com/office/drawing/2014/main" id="{8A9B20BB-E9CC-06CE-E4B6-3EE86CD9BB37}"/>
+              </a:ext>
+            </a:extLst>
+          </p:cNvPr>
+          <p:cNvCxnSpPr>
+            <a:stCxn id="3" idx="3"/>
+            <a:endCxn id="4" idx="1"/>
+          </p:cNvCxnSpPr>
+          <p:nvPr/>
+        </p:nvCxnSpPr>
+        <p:spPr>
+          <a:xfrm>
+            <a:off x="2125362" y="2245776"/>
+            <a:ext cx="786713" cy="802224"/>
+          </a:xfrm>
+          <a:prstGeom prst="straightConnector1">
+            <a:avLst/>
+          </a:prstGeom>
+          <a:ln>
+            <a:tailEnd type="triangle"/>
+          </a:ln>
+        </p:spPr>
+        <p:style>
+          <a:lnRef idx="1">
+            <a:schemeClr val="accent1"/>
+          </a:lnRef>
+          <a:fillRef idx="0">
+            <a:schemeClr val="accent1"/>
+          </a:fillRef>
+          <a:effectRef idx="0">
+            <a:schemeClr val="accent1"/>
+          </a:effectRef>
+          <a:fontRef idx="minor">
+            <a:schemeClr val="tx1"/>
+          </a:fontRef>
+        </p:style>
+      </p:cxnSp>
+      <p:cxnSp>
+        <p:nvCxnSpPr>
+          <p:cNvPr id="10" name="Gerade Verbindung mit Pfeil 9">
+            <a:extLst>
+              <a:ext uri="{FF2B5EF4-FFF2-40B4-BE49-F238E27FC236}">
+                <a16:creationId xmlns:a16="http://schemas.microsoft.com/office/drawing/2014/main" id="{9C45B5CE-771A-2757-6122-D955D327F0E7}"/>
+              </a:ext>
+            </a:extLst>
+          </p:cNvPr>
+          <p:cNvCxnSpPr>
+            <a:stCxn id="4" idx="3"/>
+            <a:endCxn id="5" idx="1"/>
+          </p:cNvCxnSpPr>
+          <p:nvPr/>
+        </p:nvCxnSpPr>
+        <p:spPr>
+          <a:xfrm>
+            <a:off x="4090086" y="3048000"/>
+            <a:ext cx="786713" cy="0"/>
+          </a:xfrm>
+          <a:prstGeom prst="straightConnector1">
+            <a:avLst/>
+          </a:prstGeom>
+          <a:ln>
+            <a:tailEnd type="triangle"/>
+          </a:ln>
+        </p:spPr>
+        <p:style>
+          <a:lnRef idx="1">
+            <a:schemeClr val="accent1"/>
+          </a:lnRef>
+          <a:fillRef idx="0">
+            <a:schemeClr val="accent1"/>
+          </a:fillRef>
+          <a:effectRef idx="0">
+            <a:schemeClr val="accent1"/>
+          </a:effectRef>
+          <a:fontRef idx="minor">
+            <a:schemeClr val="tx1"/>
+          </a:fontRef>
+        </p:style>
+      </p:cxnSp>
+      <p:cxnSp>
+        <p:nvCxnSpPr>
+          <p:cNvPr id="12" name="Gerade Verbindung mit Pfeil 11">
+            <a:extLst>
+              <a:ext uri="{FF2B5EF4-FFF2-40B4-BE49-F238E27FC236}">
+                <a16:creationId xmlns:a16="http://schemas.microsoft.com/office/drawing/2014/main" id="{CFFA6FF8-E9A5-C457-D217-921665EAED29}"/>
+              </a:ext>
+            </a:extLst>
+          </p:cNvPr>
+          <p:cNvCxnSpPr>
+            <a:cxnSpLocks/>
+            <a:stCxn id="5" idx="3"/>
+            <a:endCxn id="6" idx="1"/>
+          </p:cNvCxnSpPr>
+          <p:nvPr/>
+        </p:nvCxnSpPr>
+        <p:spPr>
+          <a:xfrm>
+            <a:off x="6054810" y="3048000"/>
+            <a:ext cx="786713" cy="0"/>
+          </a:xfrm>
+          <a:prstGeom prst="straightConnector1">
+            <a:avLst/>
+          </a:prstGeom>
+          <a:ln>
+            <a:tailEnd type="triangle"/>
+          </a:ln>
+        </p:spPr>
+        <p:style>
+          <a:lnRef idx="1">
+            <a:schemeClr val="accent1"/>
+          </a:lnRef>
+          <a:fillRef idx="0">
+            <a:schemeClr val="accent1"/>
+          </a:fillRef>
+          <a:effectRef idx="0">
+            <a:schemeClr val="accent1"/>
+          </a:effectRef>
+          <a:fontRef idx="minor">
+            <a:schemeClr val="tx1"/>
+          </a:fontRef>
+        </p:style>
+      </p:cxnSp>
+      <p:sp>
+        <p:nvSpPr>
+          <p:cNvPr id="14" name="Textfeld 13">
+            <a:extLst>
+              <a:ext uri="{FF2B5EF4-FFF2-40B4-BE49-F238E27FC236}">
+                <a16:creationId xmlns:a16="http://schemas.microsoft.com/office/drawing/2014/main" id="{D2BE047B-E556-CBA4-35E7-73435F992022}"/>
+              </a:ext>
+            </a:extLst>
+          </p:cNvPr>
+          <p:cNvSpPr txBox="1"/>
+          <p:nvPr/>
+        </p:nvSpPr>
+        <p:spPr>
+          <a:xfrm>
+            <a:off x="2912075" y="3739978"/>
+            <a:ext cx="987450" cy="369332"/>
+          </a:xfrm>
+          <a:prstGeom prst="rect">
+            <a:avLst/>
+          </a:prstGeom>
+          <a:noFill/>
+        </p:spPr>
+        <p:txBody>
+          <a:bodyPr wrap="none" rtlCol="0">
+            <a:spAutoFit/>
+          </a:bodyPr>
+          <a:lstStyle/>
+          <a:p>
+            <a:r>
+              <a:rPr lang="en-GB" dirty="0" err="1"/>
+              <a:t>pageless</a:t>
+            </a:r>
+            <a:endParaRPr lang="en-GB" dirty="0"/>
+          </a:p>
+        </p:txBody>
+      </p:sp>
+      <p:sp>
+        <p:nvSpPr>
+          <p:cNvPr id="15" name="Textfeld 14">
+            <a:extLst>
+              <a:ext uri="{FF2B5EF4-FFF2-40B4-BE49-F238E27FC236}">
+                <a16:creationId xmlns:a16="http://schemas.microsoft.com/office/drawing/2014/main" id="{38F63650-79F5-49B4-3594-E9358FE40A2E}"/>
+              </a:ext>
+            </a:extLst>
+          </p:cNvPr>
+          <p:cNvSpPr txBox="1"/>
+          <p:nvPr/>
+        </p:nvSpPr>
+        <p:spPr>
+          <a:xfrm>
+            <a:off x="4876799" y="3739978"/>
+            <a:ext cx="987450" cy="369332"/>
+          </a:xfrm>
+          <a:prstGeom prst="rect">
+            <a:avLst/>
+          </a:prstGeom>
+          <a:noFill/>
+        </p:spPr>
+        <p:txBody>
+          <a:bodyPr wrap="none" rtlCol="0">
+            <a:spAutoFit/>
+          </a:bodyPr>
+          <a:lstStyle/>
+          <a:p>
+            <a:r>
+              <a:rPr lang="en-GB" dirty="0" err="1"/>
+              <a:t>pageless</a:t>
+            </a:r>
+            <a:endParaRPr lang="en-GB" dirty="0"/>
+          </a:p>
+        </p:txBody>
+      </p:sp>
+      <p:sp>
+        <p:nvSpPr>
+          <p:cNvPr id="16" name="Textfeld 15">
+            <a:extLst>
+              <a:ext uri="{FF2B5EF4-FFF2-40B4-BE49-F238E27FC236}">
+                <a16:creationId xmlns:a16="http://schemas.microsoft.com/office/drawing/2014/main" id="{71C04723-CE4F-96B9-D7C2-FE8A0C7DF9AC}"/>
+              </a:ext>
+            </a:extLst>
+          </p:cNvPr>
+          <p:cNvSpPr txBox="1"/>
+          <p:nvPr/>
+        </p:nvSpPr>
+        <p:spPr>
+          <a:xfrm>
+            <a:off x="6795739" y="3739978"/>
+            <a:ext cx="1269578" cy="369332"/>
+          </a:xfrm>
+          <a:prstGeom prst="rect">
+            <a:avLst/>
+          </a:prstGeom>
+          <a:noFill/>
+        </p:spPr>
+        <p:txBody>
+          <a:bodyPr wrap="none" rtlCol="0">
+            <a:spAutoFit/>
+          </a:bodyPr>
+          <a:lstStyle/>
+          <a:p>
+            <a:r>
+              <a:rPr lang="en-GB" dirty="0"/>
+              <a:t>page-based</a:t>
+            </a:r>
+          </a:p>
+        </p:txBody>
+      </p:sp>
+      <p:sp>
+        <p:nvSpPr>
+          <p:cNvPr id="18" name="Rechteck 17">
+            <a:extLst>
+              <a:ext uri="{FF2B5EF4-FFF2-40B4-BE49-F238E27FC236}">
+                <a16:creationId xmlns:a16="http://schemas.microsoft.com/office/drawing/2014/main" id="{913AC199-36C6-FAC7-8E68-AD7D7BA14A13}"/>
+              </a:ext>
+            </a:extLst>
+          </p:cNvPr>
+          <p:cNvSpPr/>
+          <p:nvPr/>
+        </p:nvSpPr>
+        <p:spPr>
+          <a:xfrm>
+            <a:off x="947351" y="2800864"/>
+            <a:ext cx="1178011" cy="939114"/>
+          </a:xfrm>
+          <a:prstGeom prst="rect">
+            <a:avLst/>
+          </a:prstGeom>
+        </p:spPr>
+        <p:style>
+          <a:lnRef idx="2">
+            <a:schemeClr val="accent1">
+              <a:shade val="15000"/>
+            </a:schemeClr>
+          </a:lnRef>
+          <a:fillRef idx="1">
+            <a:schemeClr val="accent1"/>
+          </a:fillRef>
+          <a:effectRef idx="0">
+            <a:schemeClr val="accent1"/>
+          </a:effectRef>
+          <a:fontRef idx="minor">
+            <a:schemeClr val="lt1"/>
+          </a:fontRef>
+        </p:style>
+        <p:txBody>
+          <a:bodyPr rtlCol="0" anchor="ctr"/>
+          <a:lstStyle/>
+          <a:p>
+            <a:pPr algn="ctr"/>
+            <a:r>
+              <a:rPr lang="en-GB" dirty="0"/>
+              <a:t>CII</a:t>
+            </a:r>
+          </a:p>
+        </p:txBody>
+      </p:sp>
+      <p:sp>
+        <p:nvSpPr>
+          <p:cNvPr id="19" name="Rechteck 18">
+            <a:extLst>
+              <a:ext uri="{FF2B5EF4-FFF2-40B4-BE49-F238E27FC236}">
+                <a16:creationId xmlns:a16="http://schemas.microsoft.com/office/drawing/2014/main" id="{E36FEC8C-2B96-431F-DDF5-D7F0CC171B70}"/>
+              </a:ext>
+            </a:extLst>
+          </p:cNvPr>
+          <p:cNvSpPr/>
+          <p:nvPr/>
+        </p:nvSpPr>
+        <p:spPr>
+          <a:xfrm>
+            <a:off x="947351" y="3825509"/>
+            <a:ext cx="1178011" cy="939114"/>
+          </a:xfrm>
+          <a:prstGeom prst="rect">
+            <a:avLst/>
+          </a:prstGeom>
+        </p:spPr>
+        <p:style>
+          <a:lnRef idx="2">
+            <a:schemeClr val="accent1">
+              <a:shade val="15000"/>
+            </a:schemeClr>
+          </a:lnRef>
+          <a:fillRef idx="1">
+            <a:schemeClr val="accent1"/>
+          </a:fillRef>
+          <a:effectRef idx="0">
+            <a:schemeClr val="accent1"/>
+          </a:effectRef>
+          <a:fontRef idx="minor">
+            <a:schemeClr val="lt1"/>
+          </a:fontRef>
+        </p:style>
+        <p:txBody>
+          <a:bodyPr rtlCol="0" anchor="ctr"/>
+          <a:lstStyle/>
+          <a:p>
+            <a:pPr algn="ctr"/>
+            <a:r>
+              <a:rPr lang="en-GB" dirty="0"/>
+              <a:t>Custom JSON</a:t>
+            </a:r>
+          </a:p>
+        </p:txBody>
+      </p:sp>
+      <p:cxnSp>
+        <p:nvCxnSpPr>
+          <p:cNvPr id="21" name="Gerade Verbindung mit Pfeil 20">
+            <a:extLst>
+              <a:ext uri="{FF2B5EF4-FFF2-40B4-BE49-F238E27FC236}">
+                <a16:creationId xmlns:a16="http://schemas.microsoft.com/office/drawing/2014/main" id="{1E7CE36F-A168-FE1F-4186-777FA2722F09}"/>
+              </a:ext>
+            </a:extLst>
+          </p:cNvPr>
+          <p:cNvCxnSpPr>
+            <a:stCxn id="18" idx="3"/>
+            <a:endCxn id="4" idx="1"/>
+          </p:cNvCxnSpPr>
+          <p:nvPr/>
+        </p:nvCxnSpPr>
+        <p:spPr>
+          <a:xfrm flipV="1">
+            <a:off x="2125362" y="3048000"/>
+            <a:ext cx="786713" cy="222421"/>
+          </a:xfrm>
+          <a:prstGeom prst="straightConnector1">
+            <a:avLst/>
+          </a:prstGeom>
+          <a:ln>
+            <a:tailEnd type="triangle"/>
+          </a:ln>
+        </p:spPr>
+        <p:style>
+          <a:lnRef idx="1">
+            <a:schemeClr val="accent1"/>
+          </a:lnRef>
+          <a:fillRef idx="0">
+            <a:schemeClr val="accent1"/>
+          </a:fillRef>
+          <a:effectRef idx="0">
+            <a:schemeClr val="accent1"/>
+          </a:effectRef>
+          <a:fontRef idx="minor">
+            <a:schemeClr val="tx1"/>
+          </a:fontRef>
+        </p:style>
+      </p:cxnSp>
+      <p:cxnSp>
+        <p:nvCxnSpPr>
+          <p:cNvPr id="23" name="Gerade Verbindung mit Pfeil 22">
+            <a:extLst>
+              <a:ext uri="{FF2B5EF4-FFF2-40B4-BE49-F238E27FC236}">
+                <a16:creationId xmlns:a16="http://schemas.microsoft.com/office/drawing/2014/main" id="{7F60F443-9C35-6DD1-ECE7-99562027DF66}"/>
+              </a:ext>
+            </a:extLst>
+          </p:cNvPr>
+          <p:cNvCxnSpPr>
+            <a:stCxn id="19" idx="3"/>
+            <a:endCxn id="4" idx="1"/>
+          </p:cNvCxnSpPr>
+          <p:nvPr/>
+        </p:nvCxnSpPr>
+        <p:spPr>
+          <a:xfrm flipV="1">
+            <a:off x="2125362" y="3048000"/>
+            <a:ext cx="786713" cy="1247066"/>
+          </a:xfrm>
+          <a:prstGeom prst="straightConnector1">
+            <a:avLst/>
+          </a:prstGeom>
+          <a:ln>
+            <a:tailEnd type="triangle"/>
+          </a:ln>
+        </p:spPr>
+        <p:style>
+          <a:lnRef idx="1">
+            <a:schemeClr val="accent1"/>
+          </a:lnRef>
+          <a:fillRef idx="0">
+            <a:schemeClr val="accent1"/>
+          </a:fillRef>
+          <a:effectRef idx="0">
+            <a:schemeClr val="accent1"/>
+          </a:effectRef>
+          <a:fontRef idx="minor">
+            <a:schemeClr val="tx1"/>
+          </a:fontRef>
+        </p:style>
+      </p:cxnSp>
+    </p:spTree>
+    <p:extLst>
+      <p:ext uri="{BB962C8B-B14F-4D97-AF65-F5344CB8AC3E}">
+        <p14:creationId xmlns:p14="http://schemas.microsoft.com/office/powerpoint/2010/main" val="825447193"/>
+      </p:ext>
+    </p:extLst>
+  </p:cSld>
+  <p:clrMapOvr>
+    <a:masterClrMapping/>
+  </p:clrMapOvr>
+</p:sld>
+</file>
+
 <file path=ppt/theme/theme1.xml><?xml version="1.0" encoding="utf-8"?>
 <a:theme xmlns:a="http://schemas.openxmlformats.org/drawingml/2006/main" name="Office">
   <a:themeElements>
